--- a/Bunched Random Forest in Monte Carlo Risk Simulation.pptx
+++ b/Bunched Random Forest in Monte Carlo Risk Simulation.pptx
@@ -2861,14 +2861,6 @@
               </a:rPr>
               <a:t>, 2017</a:t>
             </a:r>
-            <a:endParaRPr lang="en-US" sz="2800" dirty="0">
-              <a:solidFill>
-                <a:schemeClr val="tx1">
-                  <a:lumMod val="75000"/>
-                  <a:lumOff val="25000"/>
-                </a:schemeClr>
-              </a:solidFill>
-            </a:endParaRPr>
           </a:p>
         </p:txBody>
       </p:sp>
@@ -10245,8 +10237,8 @@
           </a:p>
         </p:txBody>
       </p:sp>
-      <mc:AlternateContent xmlns:mc="http://schemas.openxmlformats.org/markup-compatibility/2006">
-        <mc:Choice xmlns:a14="http://schemas.microsoft.com/office/drawing/2010/main" Requires="a14">
+      <mc:AlternateContent xmlns:mc="http://schemas.openxmlformats.org/markup-compatibility/2006" xmlns:a14="http://schemas.microsoft.com/office/drawing/2010/main">
+        <mc:Choice Requires="a14">
           <p:sp>
             <p:nvSpPr>
               <p:cNvPr id="3" name="Content Placeholder 2"/>
@@ -10485,7 +10477,7 @@
             </p:txBody>
           </p:sp>
         </mc:Choice>
-        <mc:Fallback>
+        <mc:Fallback xmlns="">
           <p:sp>
             <p:nvSpPr>
               <p:cNvPr id="3" name="Content Placeholder 2"/>
@@ -11179,7 +11171,7 @@
         </p:nvGrpSpPr>
         <p:grpSpPr>
           <a:xfrm>
-            <a:off x="1067145" y="4401679"/>
+            <a:off x="304800" y="4401679"/>
             <a:ext cx="3080891" cy="2075321"/>
             <a:chOff x="3386067" y="2633245"/>
             <a:chExt cx="3080891" cy="2075321"/>
@@ -11563,67 +11555,29 @@
           </p:spPr>
         </p:pic>
       </p:grpSp>
-      <p:grpSp>
-        <p:nvGrpSpPr>
-          <p:cNvPr id="21" name="Group 20"/>
-          <p:cNvGrpSpPr/>
+      <p:pic>
+        <p:nvPicPr>
+          <p:cNvPr id="9" name="Picture 8"/>
+          <p:cNvPicPr>
+            <a:picLocks noChangeAspect="1"/>
+          </p:cNvPicPr>
           <p:nvPr/>
-        </p:nvGrpSpPr>
-        <p:grpSpPr>
+        </p:nvPicPr>
+        <p:blipFill rotWithShape="1">
+          <a:blip r:embed="rId5"/>
+          <a:srcRect t="9276" r="53145"/>
+          <a:stretch/>
+        </p:blipFill>
+        <p:spPr>
           <a:xfrm>
-            <a:off x="4695153" y="4381482"/>
-            <a:ext cx="3229647" cy="1847522"/>
-            <a:chOff x="275553" y="4351086"/>
-            <a:chExt cx="3229647" cy="1982392"/>
+            <a:off x="3429000" y="4572000"/>
+            <a:ext cx="2620047" cy="1657004"/>
           </a:xfrm>
-        </p:grpSpPr>
-        <p:pic>
-          <p:nvPicPr>
-            <p:cNvPr id="9" name="Picture 8"/>
-            <p:cNvPicPr>
-              <a:picLocks noChangeAspect="1"/>
-            </p:cNvPicPr>
-            <p:nvPr/>
-          </p:nvPicPr>
-          <p:blipFill rotWithShape="1">
-            <a:blip r:embed="rId5"/>
-            <a:srcRect t="9276" r="53145"/>
-            <a:stretch/>
-          </p:blipFill>
-          <p:spPr>
-            <a:xfrm>
-              <a:off x="275553" y="4555512"/>
-              <a:ext cx="2620047" cy="1777966"/>
-            </a:xfrm>
-            <a:prstGeom prst="rect">
-              <a:avLst/>
-            </a:prstGeom>
-          </p:spPr>
-        </p:pic>
-        <p:pic>
-          <p:nvPicPr>
-            <p:cNvPr id="18" name="Picture 17"/>
-            <p:cNvPicPr>
-              <a:picLocks noChangeAspect="1"/>
-            </p:cNvPicPr>
-            <p:nvPr/>
-          </p:nvPicPr>
-          <p:blipFill rotWithShape="1">
-            <a:blip r:embed="rId5"/>
-            <a:srcRect l="87736"/>
-            <a:stretch/>
-          </p:blipFill>
-          <p:spPr>
-            <a:xfrm>
-              <a:off x="2819400" y="4351086"/>
-              <a:ext cx="685800" cy="1959758"/>
-            </a:xfrm>
-            <a:prstGeom prst="rect">
-              <a:avLst/>
-            </a:prstGeom>
-          </p:spPr>
-        </p:pic>
-      </p:grpSp>
+          <a:prstGeom prst="rect">
+            <a:avLst/>
+          </a:prstGeom>
+        </p:spPr>
+      </p:pic>
       <p:pic>
         <p:nvPicPr>
           <p:cNvPr id="19" name="Picture 18"/>
@@ -11672,6 +11626,842 @@
           </a:prstGeom>
         </p:spPr>
       </p:pic>
+      <p:sp>
+        <p:nvSpPr>
+          <p:cNvPr id="23" name="TextBox 52"/>
+          <p:cNvSpPr txBox="1"/>
+          <p:nvPr/>
+        </p:nvSpPr>
+        <p:spPr>
+          <a:xfrm>
+            <a:off x="3048000" y="815844"/>
+            <a:ext cx="2705792" cy="230832"/>
+          </a:xfrm>
+          <a:prstGeom prst="rect">
+            <a:avLst/>
+          </a:prstGeom>
+          <a:solidFill>
+            <a:schemeClr val="bg1"/>
+          </a:solidFill>
+        </p:spPr>
+        <p:txBody>
+          <a:bodyPr wrap="square" rtlCol="0">
+            <a:spAutoFit/>
+          </a:bodyPr>
+          <a:lstStyle>
+            <a:defPPr>
+              <a:defRPr lang="en-US"/>
+            </a:defPPr>
+            <a:lvl1pPr marL="0" algn="l" defTabSz="3686861" rtl="0" eaLnBrk="1" latinLnBrk="0" hangingPunct="1">
+              <a:defRPr sz="7258" kern="1200">
+                <a:solidFill>
+                  <a:schemeClr val="tx1"/>
+                </a:solidFill>
+                <a:latin typeface="+mn-lt"/>
+                <a:ea typeface="+mn-ea"/>
+                <a:cs typeface="+mn-cs"/>
+              </a:defRPr>
+            </a:lvl1pPr>
+            <a:lvl2pPr marL="1843430" algn="l" defTabSz="3686861" rtl="0" eaLnBrk="1" latinLnBrk="0" hangingPunct="1">
+              <a:defRPr sz="7258" kern="1200">
+                <a:solidFill>
+                  <a:schemeClr val="tx1"/>
+                </a:solidFill>
+                <a:latin typeface="+mn-lt"/>
+                <a:ea typeface="+mn-ea"/>
+                <a:cs typeface="+mn-cs"/>
+              </a:defRPr>
+            </a:lvl2pPr>
+            <a:lvl3pPr marL="3686861" algn="l" defTabSz="3686861" rtl="0" eaLnBrk="1" latinLnBrk="0" hangingPunct="1">
+              <a:defRPr sz="7258" kern="1200">
+                <a:solidFill>
+                  <a:schemeClr val="tx1"/>
+                </a:solidFill>
+                <a:latin typeface="+mn-lt"/>
+                <a:ea typeface="+mn-ea"/>
+                <a:cs typeface="+mn-cs"/>
+              </a:defRPr>
+            </a:lvl3pPr>
+            <a:lvl4pPr marL="5530291" algn="l" defTabSz="3686861" rtl="0" eaLnBrk="1" latinLnBrk="0" hangingPunct="1">
+              <a:defRPr sz="7258" kern="1200">
+                <a:solidFill>
+                  <a:schemeClr val="tx1"/>
+                </a:solidFill>
+                <a:latin typeface="+mn-lt"/>
+                <a:ea typeface="+mn-ea"/>
+                <a:cs typeface="+mn-cs"/>
+              </a:defRPr>
+            </a:lvl4pPr>
+            <a:lvl5pPr marL="7373722" algn="l" defTabSz="3686861" rtl="0" eaLnBrk="1" latinLnBrk="0" hangingPunct="1">
+              <a:defRPr sz="7258" kern="1200">
+                <a:solidFill>
+                  <a:schemeClr val="tx1"/>
+                </a:solidFill>
+                <a:latin typeface="+mn-lt"/>
+                <a:ea typeface="+mn-ea"/>
+                <a:cs typeface="+mn-cs"/>
+              </a:defRPr>
+            </a:lvl5pPr>
+            <a:lvl6pPr marL="9217152" algn="l" defTabSz="3686861" rtl="0" eaLnBrk="1" latinLnBrk="0" hangingPunct="1">
+              <a:defRPr sz="7258" kern="1200">
+                <a:solidFill>
+                  <a:schemeClr val="tx1"/>
+                </a:solidFill>
+                <a:latin typeface="+mn-lt"/>
+                <a:ea typeface="+mn-ea"/>
+                <a:cs typeface="+mn-cs"/>
+              </a:defRPr>
+            </a:lvl6pPr>
+            <a:lvl7pPr marL="11060582" algn="l" defTabSz="3686861" rtl="0" eaLnBrk="1" latinLnBrk="0" hangingPunct="1">
+              <a:defRPr sz="7258" kern="1200">
+                <a:solidFill>
+                  <a:schemeClr val="tx1"/>
+                </a:solidFill>
+                <a:latin typeface="+mn-lt"/>
+                <a:ea typeface="+mn-ea"/>
+                <a:cs typeface="+mn-cs"/>
+              </a:defRPr>
+            </a:lvl7pPr>
+            <a:lvl8pPr marL="12904013" algn="l" defTabSz="3686861" rtl="0" eaLnBrk="1" latinLnBrk="0" hangingPunct="1">
+              <a:defRPr sz="7258" kern="1200">
+                <a:solidFill>
+                  <a:schemeClr val="tx1"/>
+                </a:solidFill>
+                <a:latin typeface="+mn-lt"/>
+                <a:ea typeface="+mn-ea"/>
+                <a:cs typeface="+mn-cs"/>
+              </a:defRPr>
+            </a:lvl8pPr>
+            <a:lvl9pPr marL="14747443" algn="l" defTabSz="3686861" rtl="0" eaLnBrk="1" latinLnBrk="0" hangingPunct="1">
+              <a:defRPr sz="7258" kern="1200">
+                <a:solidFill>
+                  <a:schemeClr val="tx1"/>
+                </a:solidFill>
+                <a:latin typeface="+mn-lt"/>
+                <a:ea typeface="+mn-ea"/>
+                <a:cs typeface="+mn-cs"/>
+              </a:defRPr>
+            </a:lvl9pPr>
+          </a:lstStyle>
+          <a:p>
+            <a:pPr algn="ctr"/>
+            <a:r>
+              <a:rPr lang="en-US" sz="900" b="1" dirty="0" smtClean="0">
+                <a:latin typeface="Arial" panose="020B0604020202020204" pitchFamily="34" charset="0"/>
+                <a:cs typeface="Arial" panose="020B0604020202020204" pitchFamily="34" charset="0"/>
+              </a:rPr>
+              <a:t>Mid-C Power Price (Historical + Simulated)</a:t>
+            </a:r>
+            <a:endParaRPr lang="en-US" sz="900" b="1" dirty="0">
+              <a:latin typeface="Arial" panose="020B0604020202020204" pitchFamily="34" charset="0"/>
+              <a:cs typeface="Arial" panose="020B0604020202020204" pitchFamily="34" charset="0"/>
+            </a:endParaRPr>
+          </a:p>
+        </p:txBody>
+      </p:sp>
+      <p:sp>
+        <p:nvSpPr>
+          <p:cNvPr id="24" name="TextBox 52"/>
+          <p:cNvSpPr txBox="1"/>
+          <p:nvPr/>
+        </p:nvSpPr>
+        <p:spPr>
+          <a:xfrm>
+            <a:off x="2676648" y="2867235"/>
+            <a:ext cx="1371600" cy="230832"/>
+          </a:xfrm>
+          <a:prstGeom prst="rect">
+            <a:avLst/>
+          </a:prstGeom>
+          <a:solidFill>
+            <a:schemeClr val="bg1"/>
+          </a:solidFill>
+        </p:spPr>
+        <p:txBody>
+          <a:bodyPr wrap="square" rtlCol="0">
+            <a:spAutoFit/>
+          </a:bodyPr>
+          <a:lstStyle>
+            <a:defPPr>
+              <a:defRPr lang="en-US"/>
+            </a:defPPr>
+            <a:lvl1pPr marL="0" algn="l" defTabSz="3686861" rtl="0" eaLnBrk="1" latinLnBrk="0" hangingPunct="1">
+              <a:defRPr sz="7258" kern="1200">
+                <a:solidFill>
+                  <a:schemeClr val="tx1"/>
+                </a:solidFill>
+                <a:latin typeface="+mn-lt"/>
+                <a:ea typeface="+mn-ea"/>
+                <a:cs typeface="+mn-cs"/>
+              </a:defRPr>
+            </a:lvl1pPr>
+            <a:lvl2pPr marL="1843430" algn="l" defTabSz="3686861" rtl="0" eaLnBrk="1" latinLnBrk="0" hangingPunct="1">
+              <a:defRPr sz="7258" kern="1200">
+                <a:solidFill>
+                  <a:schemeClr val="tx1"/>
+                </a:solidFill>
+                <a:latin typeface="+mn-lt"/>
+                <a:ea typeface="+mn-ea"/>
+                <a:cs typeface="+mn-cs"/>
+              </a:defRPr>
+            </a:lvl2pPr>
+            <a:lvl3pPr marL="3686861" algn="l" defTabSz="3686861" rtl="0" eaLnBrk="1" latinLnBrk="0" hangingPunct="1">
+              <a:defRPr sz="7258" kern="1200">
+                <a:solidFill>
+                  <a:schemeClr val="tx1"/>
+                </a:solidFill>
+                <a:latin typeface="+mn-lt"/>
+                <a:ea typeface="+mn-ea"/>
+                <a:cs typeface="+mn-cs"/>
+              </a:defRPr>
+            </a:lvl3pPr>
+            <a:lvl4pPr marL="5530291" algn="l" defTabSz="3686861" rtl="0" eaLnBrk="1" latinLnBrk="0" hangingPunct="1">
+              <a:defRPr sz="7258" kern="1200">
+                <a:solidFill>
+                  <a:schemeClr val="tx1"/>
+                </a:solidFill>
+                <a:latin typeface="+mn-lt"/>
+                <a:ea typeface="+mn-ea"/>
+                <a:cs typeface="+mn-cs"/>
+              </a:defRPr>
+            </a:lvl4pPr>
+            <a:lvl5pPr marL="7373722" algn="l" defTabSz="3686861" rtl="0" eaLnBrk="1" latinLnBrk="0" hangingPunct="1">
+              <a:defRPr sz="7258" kern="1200">
+                <a:solidFill>
+                  <a:schemeClr val="tx1"/>
+                </a:solidFill>
+                <a:latin typeface="+mn-lt"/>
+                <a:ea typeface="+mn-ea"/>
+                <a:cs typeface="+mn-cs"/>
+              </a:defRPr>
+            </a:lvl5pPr>
+            <a:lvl6pPr marL="9217152" algn="l" defTabSz="3686861" rtl="0" eaLnBrk="1" latinLnBrk="0" hangingPunct="1">
+              <a:defRPr sz="7258" kern="1200">
+                <a:solidFill>
+                  <a:schemeClr val="tx1"/>
+                </a:solidFill>
+                <a:latin typeface="+mn-lt"/>
+                <a:ea typeface="+mn-ea"/>
+                <a:cs typeface="+mn-cs"/>
+              </a:defRPr>
+            </a:lvl6pPr>
+            <a:lvl7pPr marL="11060582" algn="l" defTabSz="3686861" rtl="0" eaLnBrk="1" latinLnBrk="0" hangingPunct="1">
+              <a:defRPr sz="7258" kern="1200">
+                <a:solidFill>
+                  <a:schemeClr val="tx1"/>
+                </a:solidFill>
+                <a:latin typeface="+mn-lt"/>
+                <a:ea typeface="+mn-ea"/>
+                <a:cs typeface="+mn-cs"/>
+              </a:defRPr>
+            </a:lvl7pPr>
+            <a:lvl8pPr marL="12904013" algn="l" defTabSz="3686861" rtl="0" eaLnBrk="1" latinLnBrk="0" hangingPunct="1">
+              <a:defRPr sz="7258" kern="1200">
+                <a:solidFill>
+                  <a:schemeClr val="tx1"/>
+                </a:solidFill>
+                <a:latin typeface="+mn-lt"/>
+                <a:ea typeface="+mn-ea"/>
+                <a:cs typeface="+mn-cs"/>
+              </a:defRPr>
+            </a:lvl8pPr>
+            <a:lvl9pPr marL="14747443" algn="l" defTabSz="3686861" rtl="0" eaLnBrk="1" latinLnBrk="0" hangingPunct="1">
+              <a:defRPr sz="7258" kern="1200">
+                <a:solidFill>
+                  <a:schemeClr val="tx1"/>
+                </a:solidFill>
+                <a:latin typeface="+mn-lt"/>
+                <a:ea typeface="+mn-ea"/>
+                <a:cs typeface="+mn-cs"/>
+              </a:defRPr>
+            </a:lvl9pPr>
+          </a:lstStyle>
+          <a:p>
+            <a:pPr algn="ctr"/>
+            <a:r>
+              <a:rPr lang="en-US" sz="900" b="1" dirty="0" smtClean="0">
+                <a:latin typeface="Arial" panose="020B0604020202020204" pitchFamily="34" charset="0"/>
+                <a:cs typeface="Arial" panose="020B0604020202020204" pitchFamily="34" charset="0"/>
+              </a:rPr>
+              <a:t>Price Distribution</a:t>
+            </a:r>
+            <a:endParaRPr lang="en-US" sz="900" b="1" dirty="0">
+              <a:latin typeface="Arial" panose="020B0604020202020204" pitchFamily="34" charset="0"/>
+              <a:cs typeface="Arial" panose="020B0604020202020204" pitchFamily="34" charset="0"/>
+            </a:endParaRPr>
+          </a:p>
+        </p:txBody>
+      </p:sp>
+      <p:sp>
+        <p:nvSpPr>
+          <p:cNvPr id="25" name="TextBox 52"/>
+          <p:cNvSpPr txBox="1"/>
+          <p:nvPr/>
+        </p:nvSpPr>
+        <p:spPr>
+          <a:xfrm>
+            <a:off x="5016902" y="3807768"/>
+            <a:ext cx="1371600" cy="230832"/>
+          </a:xfrm>
+          <a:prstGeom prst="rect">
+            <a:avLst/>
+          </a:prstGeom>
+          <a:solidFill>
+            <a:schemeClr val="bg1"/>
+          </a:solidFill>
+        </p:spPr>
+        <p:txBody>
+          <a:bodyPr wrap="square" rtlCol="0">
+            <a:spAutoFit/>
+          </a:bodyPr>
+          <a:lstStyle>
+            <a:defPPr>
+              <a:defRPr lang="en-US"/>
+            </a:defPPr>
+            <a:lvl1pPr marL="0" algn="l" defTabSz="3686861" rtl="0" eaLnBrk="1" latinLnBrk="0" hangingPunct="1">
+              <a:defRPr sz="7258" kern="1200">
+                <a:solidFill>
+                  <a:schemeClr val="tx1"/>
+                </a:solidFill>
+                <a:latin typeface="+mn-lt"/>
+                <a:ea typeface="+mn-ea"/>
+                <a:cs typeface="+mn-cs"/>
+              </a:defRPr>
+            </a:lvl1pPr>
+            <a:lvl2pPr marL="1843430" algn="l" defTabSz="3686861" rtl="0" eaLnBrk="1" latinLnBrk="0" hangingPunct="1">
+              <a:defRPr sz="7258" kern="1200">
+                <a:solidFill>
+                  <a:schemeClr val="tx1"/>
+                </a:solidFill>
+                <a:latin typeface="+mn-lt"/>
+                <a:ea typeface="+mn-ea"/>
+                <a:cs typeface="+mn-cs"/>
+              </a:defRPr>
+            </a:lvl2pPr>
+            <a:lvl3pPr marL="3686861" algn="l" defTabSz="3686861" rtl="0" eaLnBrk="1" latinLnBrk="0" hangingPunct="1">
+              <a:defRPr sz="7258" kern="1200">
+                <a:solidFill>
+                  <a:schemeClr val="tx1"/>
+                </a:solidFill>
+                <a:latin typeface="+mn-lt"/>
+                <a:ea typeface="+mn-ea"/>
+                <a:cs typeface="+mn-cs"/>
+              </a:defRPr>
+            </a:lvl3pPr>
+            <a:lvl4pPr marL="5530291" algn="l" defTabSz="3686861" rtl="0" eaLnBrk="1" latinLnBrk="0" hangingPunct="1">
+              <a:defRPr sz="7258" kern="1200">
+                <a:solidFill>
+                  <a:schemeClr val="tx1"/>
+                </a:solidFill>
+                <a:latin typeface="+mn-lt"/>
+                <a:ea typeface="+mn-ea"/>
+                <a:cs typeface="+mn-cs"/>
+              </a:defRPr>
+            </a:lvl4pPr>
+            <a:lvl5pPr marL="7373722" algn="l" defTabSz="3686861" rtl="0" eaLnBrk="1" latinLnBrk="0" hangingPunct="1">
+              <a:defRPr sz="7258" kern="1200">
+                <a:solidFill>
+                  <a:schemeClr val="tx1"/>
+                </a:solidFill>
+                <a:latin typeface="+mn-lt"/>
+                <a:ea typeface="+mn-ea"/>
+                <a:cs typeface="+mn-cs"/>
+              </a:defRPr>
+            </a:lvl5pPr>
+            <a:lvl6pPr marL="9217152" algn="l" defTabSz="3686861" rtl="0" eaLnBrk="1" latinLnBrk="0" hangingPunct="1">
+              <a:defRPr sz="7258" kern="1200">
+                <a:solidFill>
+                  <a:schemeClr val="tx1"/>
+                </a:solidFill>
+                <a:latin typeface="+mn-lt"/>
+                <a:ea typeface="+mn-ea"/>
+                <a:cs typeface="+mn-cs"/>
+              </a:defRPr>
+            </a:lvl6pPr>
+            <a:lvl7pPr marL="11060582" algn="l" defTabSz="3686861" rtl="0" eaLnBrk="1" latinLnBrk="0" hangingPunct="1">
+              <a:defRPr sz="7258" kern="1200">
+                <a:solidFill>
+                  <a:schemeClr val="tx1"/>
+                </a:solidFill>
+                <a:latin typeface="+mn-lt"/>
+                <a:ea typeface="+mn-ea"/>
+                <a:cs typeface="+mn-cs"/>
+              </a:defRPr>
+            </a:lvl7pPr>
+            <a:lvl8pPr marL="12904013" algn="l" defTabSz="3686861" rtl="0" eaLnBrk="1" latinLnBrk="0" hangingPunct="1">
+              <a:defRPr sz="7258" kern="1200">
+                <a:solidFill>
+                  <a:schemeClr val="tx1"/>
+                </a:solidFill>
+                <a:latin typeface="+mn-lt"/>
+                <a:ea typeface="+mn-ea"/>
+                <a:cs typeface="+mn-cs"/>
+              </a:defRPr>
+            </a:lvl8pPr>
+            <a:lvl9pPr marL="14747443" algn="l" defTabSz="3686861" rtl="0" eaLnBrk="1" latinLnBrk="0" hangingPunct="1">
+              <a:defRPr sz="7258" kern="1200">
+                <a:solidFill>
+                  <a:schemeClr val="tx1"/>
+                </a:solidFill>
+                <a:latin typeface="+mn-lt"/>
+                <a:ea typeface="+mn-ea"/>
+                <a:cs typeface="+mn-cs"/>
+              </a:defRPr>
+            </a:lvl9pPr>
+          </a:lstStyle>
+          <a:p>
+            <a:pPr algn="ctr"/>
+            <a:r>
+              <a:rPr lang="en-US" sz="900" b="1" dirty="0" smtClean="0">
+                <a:latin typeface="Arial" panose="020B0604020202020204" pitchFamily="34" charset="0"/>
+                <a:cs typeface="Arial" panose="020B0604020202020204" pitchFamily="34" charset="0"/>
+              </a:rPr>
+              <a:t>Autocorrelation</a:t>
+            </a:r>
+            <a:endParaRPr lang="en-US" sz="900" b="1" dirty="0">
+              <a:latin typeface="Arial" panose="020B0604020202020204" pitchFamily="34" charset="0"/>
+              <a:cs typeface="Arial" panose="020B0604020202020204" pitchFamily="34" charset="0"/>
+            </a:endParaRPr>
+          </a:p>
+        </p:txBody>
+      </p:sp>
+      <p:sp>
+        <p:nvSpPr>
+          <p:cNvPr id="26" name="TextBox 52"/>
+          <p:cNvSpPr txBox="1"/>
+          <p:nvPr/>
+        </p:nvSpPr>
+        <p:spPr>
+          <a:xfrm>
+            <a:off x="4487639" y="4722168"/>
+            <a:ext cx="1371600" cy="230832"/>
+          </a:xfrm>
+          <a:prstGeom prst="rect">
+            <a:avLst/>
+          </a:prstGeom>
+          <a:solidFill>
+            <a:schemeClr val="bg1"/>
+          </a:solidFill>
+        </p:spPr>
+        <p:txBody>
+          <a:bodyPr wrap="square" rtlCol="0">
+            <a:spAutoFit/>
+          </a:bodyPr>
+          <a:lstStyle>
+            <a:defPPr>
+              <a:defRPr lang="en-US"/>
+            </a:defPPr>
+            <a:lvl1pPr marL="0" algn="l" defTabSz="3686861" rtl="0" eaLnBrk="1" latinLnBrk="0" hangingPunct="1">
+              <a:defRPr sz="7258" kern="1200">
+                <a:solidFill>
+                  <a:schemeClr val="tx1"/>
+                </a:solidFill>
+                <a:latin typeface="+mn-lt"/>
+                <a:ea typeface="+mn-ea"/>
+                <a:cs typeface="+mn-cs"/>
+              </a:defRPr>
+            </a:lvl1pPr>
+            <a:lvl2pPr marL="1843430" algn="l" defTabSz="3686861" rtl="0" eaLnBrk="1" latinLnBrk="0" hangingPunct="1">
+              <a:defRPr sz="7258" kern="1200">
+                <a:solidFill>
+                  <a:schemeClr val="tx1"/>
+                </a:solidFill>
+                <a:latin typeface="+mn-lt"/>
+                <a:ea typeface="+mn-ea"/>
+                <a:cs typeface="+mn-cs"/>
+              </a:defRPr>
+            </a:lvl2pPr>
+            <a:lvl3pPr marL="3686861" algn="l" defTabSz="3686861" rtl="0" eaLnBrk="1" latinLnBrk="0" hangingPunct="1">
+              <a:defRPr sz="7258" kern="1200">
+                <a:solidFill>
+                  <a:schemeClr val="tx1"/>
+                </a:solidFill>
+                <a:latin typeface="+mn-lt"/>
+                <a:ea typeface="+mn-ea"/>
+                <a:cs typeface="+mn-cs"/>
+              </a:defRPr>
+            </a:lvl3pPr>
+            <a:lvl4pPr marL="5530291" algn="l" defTabSz="3686861" rtl="0" eaLnBrk="1" latinLnBrk="0" hangingPunct="1">
+              <a:defRPr sz="7258" kern="1200">
+                <a:solidFill>
+                  <a:schemeClr val="tx1"/>
+                </a:solidFill>
+                <a:latin typeface="+mn-lt"/>
+                <a:ea typeface="+mn-ea"/>
+                <a:cs typeface="+mn-cs"/>
+              </a:defRPr>
+            </a:lvl4pPr>
+            <a:lvl5pPr marL="7373722" algn="l" defTabSz="3686861" rtl="0" eaLnBrk="1" latinLnBrk="0" hangingPunct="1">
+              <a:defRPr sz="7258" kern="1200">
+                <a:solidFill>
+                  <a:schemeClr val="tx1"/>
+                </a:solidFill>
+                <a:latin typeface="+mn-lt"/>
+                <a:ea typeface="+mn-ea"/>
+                <a:cs typeface="+mn-cs"/>
+              </a:defRPr>
+            </a:lvl5pPr>
+            <a:lvl6pPr marL="9217152" algn="l" defTabSz="3686861" rtl="0" eaLnBrk="1" latinLnBrk="0" hangingPunct="1">
+              <a:defRPr sz="7258" kern="1200">
+                <a:solidFill>
+                  <a:schemeClr val="tx1"/>
+                </a:solidFill>
+                <a:latin typeface="+mn-lt"/>
+                <a:ea typeface="+mn-ea"/>
+                <a:cs typeface="+mn-cs"/>
+              </a:defRPr>
+            </a:lvl6pPr>
+            <a:lvl7pPr marL="11060582" algn="l" defTabSz="3686861" rtl="0" eaLnBrk="1" latinLnBrk="0" hangingPunct="1">
+              <a:defRPr sz="7258" kern="1200">
+                <a:solidFill>
+                  <a:schemeClr val="tx1"/>
+                </a:solidFill>
+                <a:latin typeface="+mn-lt"/>
+                <a:ea typeface="+mn-ea"/>
+                <a:cs typeface="+mn-cs"/>
+              </a:defRPr>
+            </a:lvl7pPr>
+            <a:lvl8pPr marL="12904013" algn="l" defTabSz="3686861" rtl="0" eaLnBrk="1" latinLnBrk="0" hangingPunct="1">
+              <a:defRPr sz="7258" kern="1200">
+                <a:solidFill>
+                  <a:schemeClr val="tx1"/>
+                </a:solidFill>
+                <a:latin typeface="+mn-lt"/>
+                <a:ea typeface="+mn-ea"/>
+                <a:cs typeface="+mn-cs"/>
+              </a:defRPr>
+            </a:lvl8pPr>
+            <a:lvl9pPr marL="14747443" algn="l" defTabSz="3686861" rtl="0" eaLnBrk="1" latinLnBrk="0" hangingPunct="1">
+              <a:defRPr sz="7258" kern="1200">
+                <a:solidFill>
+                  <a:schemeClr val="tx1"/>
+                </a:solidFill>
+                <a:latin typeface="+mn-lt"/>
+                <a:ea typeface="+mn-ea"/>
+                <a:cs typeface="+mn-cs"/>
+              </a:defRPr>
+            </a:lvl9pPr>
+          </a:lstStyle>
+          <a:p>
+            <a:pPr algn="ctr"/>
+            <a:r>
+              <a:rPr lang="en-US" sz="900" b="1" dirty="0" smtClean="0">
+                <a:latin typeface="Arial" panose="020B0604020202020204" pitchFamily="34" charset="0"/>
+                <a:cs typeface="Arial" panose="020B0604020202020204" pitchFamily="34" charset="0"/>
+              </a:rPr>
+              <a:t>Seasonality </a:t>
+            </a:r>
+            <a:endParaRPr lang="en-US" sz="900" b="1" dirty="0">
+              <a:latin typeface="Arial" panose="020B0604020202020204" pitchFamily="34" charset="0"/>
+              <a:cs typeface="Arial" panose="020B0604020202020204" pitchFamily="34" charset="0"/>
+            </a:endParaRPr>
+          </a:p>
+        </p:txBody>
+      </p:sp>
+      <p:sp>
+        <p:nvSpPr>
+          <p:cNvPr id="28" name="TextBox 52"/>
+          <p:cNvSpPr txBox="1"/>
+          <p:nvPr/>
+        </p:nvSpPr>
+        <p:spPr>
+          <a:xfrm>
+            <a:off x="821190" y="5462403"/>
+            <a:ext cx="1160009" cy="507831"/>
+          </a:xfrm>
+          <a:prstGeom prst="rect">
+            <a:avLst/>
+          </a:prstGeom>
+          <a:solidFill>
+            <a:schemeClr val="bg1"/>
+          </a:solidFill>
+        </p:spPr>
+        <p:txBody>
+          <a:bodyPr wrap="square" rtlCol="0">
+            <a:spAutoFit/>
+          </a:bodyPr>
+          <a:lstStyle>
+            <a:defPPr>
+              <a:defRPr lang="en-US"/>
+            </a:defPPr>
+            <a:lvl1pPr marL="0" algn="l" defTabSz="3686861" rtl="0" eaLnBrk="1" latinLnBrk="0" hangingPunct="1">
+              <a:defRPr sz="7258" kern="1200">
+                <a:solidFill>
+                  <a:schemeClr val="tx1"/>
+                </a:solidFill>
+                <a:latin typeface="+mn-lt"/>
+                <a:ea typeface="+mn-ea"/>
+                <a:cs typeface="+mn-cs"/>
+              </a:defRPr>
+            </a:lvl1pPr>
+            <a:lvl2pPr marL="1843430" algn="l" defTabSz="3686861" rtl="0" eaLnBrk="1" latinLnBrk="0" hangingPunct="1">
+              <a:defRPr sz="7258" kern="1200">
+                <a:solidFill>
+                  <a:schemeClr val="tx1"/>
+                </a:solidFill>
+                <a:latin typeface="+mn-lt"/>
+                <a:ea typeface="+mn-ea"/>
+                <a:cs typeface="+mn-cs"/>
+              </a:defRPr>
+            </a:lvl2pPr>
+            <a:lvl3pPr marL="3686861" algn="l" defTabSz="3686861" rtl="0" eaLnBrk="1" latinLnBrk="0" hangingPunct="1">
+              <a:defRPr sz="7258" kern="1200">
+                <a:solidFill>
+                  <a:schemeClr val="tx1"/>
+                </a:solidFill>
+                <a:latin typeface="+mn-lt"/>
+                <a:ea typeface="+mn-ea"/>
+                <a:cs typeface="+mn-cs"/>
+              </a:defRPr>
+            </a:lvl3pPr>
+            <a:lvl4pPr marL="5530291" algn="l" defTabSz="3686861" rtl="0" eaLnBrk="1" latinLnBrk="0" hangingPunct="1">
+              <a:defRPr sz="7258" kern="1200">
+                <a:solidFill>
+                  <a:schemeClr val="tx1"/>
+                </a:solidFill>
+                <a:latin typeface="+mn-lt"/>
+                <a:ea typeface="+mn-ea"/>
+                <a:cs typeface="+mn-cs"/>
+              </a:defRPr>
+            </a:lvl4pPr>
+            <a:lvl5pPr marL="7373722" algn="l" defTabSz="3686861" rtl="0" eaLnBrk="1" latinLnBrk="0" hangingPunct="1">
+              <a:defRPr sz="7258" kern="1200">
+                <a:solidFill>
+                  <a:schemeClr val="tx1"/>
+                </a:solidFill>
+                <a:latin typeface="+mn-lt"/>
+                <a:ea typeface="+mn-ea"/>
+                <a:cs typeface="+mn-cs"/>
+              </a:defRPr>
+            </a:lvl5pPr>
+            <a:lvl6pPr marL="9217152" algn="l" defTabSz="3686861" rtl="0" eaLnBrk="1" latinLnBrk="0" hangingPunct="1">
+              <a:defRPr sz="7258" kern="1200">
+                <a:solidFill>
+                  <a:schemeClr val="tx1"/>
+                </a:solidFill>
+                <a:latin typeface="+mn-lt"/>
+                <a:ea typeface="+mn-ea"/>
+                <a:cs typeface="+mn-cs"/>
+              </a:defRPr>
+            </a:lvl6pPr>
+            <a:lvl7pPr marL="11060582" algn="l" defTabSz="3686861" rtl="0" eaLnBrk="1" latinLnBrk="0" hangingPunct="1">
+              <a:defRPr sz="7258" kern="1200">
+                <a:solidFill>
+                  <a:schemeClr val="tx1"/>
+                </a:solidFill>
+                <a:latin typeface="+mn-lt"/>
+                <a:ea typeface="+mn-ea"/>
+                <a:cs typeface="+mn-cs"/>
+              </a:defRPr>
+            </a:lvl7pPr>
+            <a:lvl8pPr marL="12904013" algn="l" defTabSz="3686861" rtl="0" eaLnBrk="1" latinLnBrk="0" hangingPunct="1">
+              <a:defRPr sz="7258" kern="1200">
+                <a:solidFill>
+                  <a:schemeClr val="tx1"/>
+                </a:solidFill>
+                <a:latin typeface="+mn-lt"/>
+                <a:ea typeface="+mn-ea"/>
+                <a:cs typeface="+mn-cs"/>
+              </a:defRPr>
+            </a:lvl8pPr>
+            <a:lvl9pPr marL="14747443" algn="l" defTabSz="3686861" rtl="0" eaLnBrk="1" latinLnBrk="0" hangingPunct="1">
+              <a:defRPr sz="7258" kern="1200">
+                <a:solidFill>
+                  <a:schemeClr val="tx1"/>
+                </a:solidFill>
+                <a:latin typeface="+mn-lt"/>
+                <a:ea typeface="+mn-ea"/>
+                <a:cs typeface="+mn-cs"/>
+              </a:defRPr>
+            </a:lvl9pPr>
+          </a:lstStyle>
+          <a:p>
+            <a:pPr algn="ctr"/>
+            <a:r>
+              <a:rPr lang="en-US" sz="900" b="1" dirty="0" smtClean="0">
+                <a:latin typeface="Arial" panose="020B0604020202020204" pitchFamily="34" charset="0"/>
+                <a:cs typeface="Arial" panose="020B0604020202020204" pitchFamily="34" charset="0"/>
+              </a:rPr>
+              <a:t>Non-linear dependency on regional </a:t>
+            </a:r>
+            <a:r>
+              <a:rPr lang="en-US" sz="900" b="1" dirty="0" smtClean="0">
+                <a:latin typeface="Arial" panose="020B0604020202020204" pitchFamily="34" charset="0"/>
+                <a:cs typeface="Arial" panose="020B0604020202020204" pitchFamily="34" charset="0"/>
+              </a:rPr>
+              <a:t>h</a:t>
+            </a:r>
+            <a:r>
+              <a:rPr lang="en-US" sz="900" b="1" dirty="0" smtClean="0">
+                <a:latin typeface="Arial" panose="020B0604020202020204" pitchFamily="34" charset="0"/>
+                <a:cs typeface="Arial" panose="020B0604020202020204" pitchFamily="34" charset="0"/>
+              </a:rPr>
+              <a:t>ydro </a:t>
+            </a:r>
+            <a:endParaRPr lang="en-US" sz="900" b="1" dirty="0">
+              <a:latin typeface="Arial" panose="020B0604020202020204" pitchFamily="34" charset="0"/>
+              <a:cs typeface="Arial" panose="020B0604020202020204" pitchFamily="34" charset="0"/>
+            </a:endParaRPr>
+          </a:p>
+        </p:txBody>
+      </p:sp>
+      <p:pic>
+        <p:nvPicPr>
+          <p:cNvPr id="3" name="Picture 2"/>
+          <p:cNvPicPr>
+            <a:picLocks noChangeAspect="1"/>
+          </p:cNvPicPr>
+          <p:nvPr/>
+        </p:nvPicPr>
+        <p:blipFill>
+          <a:blip r:embed="rId8"/>
+          <a:stretch>
+            <a:fillRect/>
+          </a:stretch>
+        </p:blipFill>
+        <p:spPr>
+          <a:xfrm>
+            <a:off x="5943600" y="4561838"/>
+            <a:ext cx="2984097" cy="1674678"/>
+          </a:xfrm>
+          <a:prstGeom prst="rect">
+            <a:avLst/>
+          </a:prstGeom>
+        </p:spPr>
+      </p:pic>
+      <p:sp>
+        <p:nvSpPr>
+          <p:cNvPr id="29" name="TextBox 52"/>
+          <p:cNvSpPr txBox="1"/>
+          <p:nvPr/>
+        </p:nvSpPr>
+        <p:spPr>
+          <a:xfrm>
+            <a:off x="6803634" y="5084510"/>
+            <a:ext cx="1371600" cy="230832"/>
+          </a:xfrm>
+          <a:prstGeom prst="rect">
+            <a:avLst/>
+          </a:prstGeom>
+          <a:solidFill>
+            <a:schemeClr val="bg1"/>
+          </a:solidFill>
+        </p:spPr>
+        <p:txBody>
+          <a:bodyPr wrap="square" rtlCol="0">
+            <a:spAutoFit/>
+          </a:bodyPr>
+          <a:lstStyle>
+            <a:defPPr>
+              <a:defRPr lang="en-US"/>
+            </a:defPPr>
+            <a:lvl1pPr marL="0" algn="l" defTabSz="3686861" rtl="0" eaLnBrk="1" latinLnBrk="0" hangingPunct="1">
+              <a:defRPr sz="7258" kern="1200">
+                <a:solidFill>
+                  <a:schemeClr val="tx1"/>
+                </a:solidFill>
+                <a:latin typeface="+mn-lt"/>
+                <a:ea typeface="+mn-ea"/>
+                <a:cs typeface="+mn-cs"/>
+              </a:defRPr>
+            </a:lvl1pPr>
+            <a:lvl2pPr marL="1843430" algn="l" defTabSz="3686861" rtl="0" eaLnBrk="1" latinLnBrk="0" hangingPunct="1">
+              <a:defRPr sz="7258" kern="1200">
+                <a:solidFill>
+                  <a:schemeClr val="tx1"/>
+                </a:solidFill>
+                <a:latin typeface="+mn-lt"/>
+                <a:ea typeface="+mn-ea"/>
+                <a:cs typeface="+mn-cs"/>
+              </a:defRPr>
+            </a:lvl2pPr>
+            <a:lvl3pPr marL="3686861" algn="l" defTabSz="3686861" rtl="0" eaLnBrk="1" latinLnBrk="0" hangingPunct="1">
+              <a:defRPr sz="7258" kern="1200">
+                <a:solidFill>
+                  <a:schemeClr val="tx1"/>
+                </a:solidFill>
+                <a:latin typeface="+mn-lt"/>
+                <a:ea typeface="+mn-ea"/>
+                <a:cs typeface="+mn-cs"/>
+              </a:defRPr>
+            </a:lvl3pPr>
+            <a:lvl4pPr marL="5530291" algn="l" defTabSz="3686861" rtl="0" eaLnBrk="1" latinLnBrk="0" hangingPunct="1">
+              <a:defRPr sz="7258" kern="1200">
+                <a:solidFill>
+                  <a:schemeClr val="tx1"/>
+                </a:solidFill>
+                <a:latin typeface="+mn-lt"/>
+                <a:ea typeface="+mn-ea"/>
+                <a:cs typeface="+mn-cs"/>
+              </a:defRPr>
+            </a:lvl4pPr>
+            <a:lvl5pPr marL="7373722" algn="l" defTabSz="3686861" rtl="0" eaLnBrk="1" latinLnBrk="0" hangingPunct="1">
+              <a:defRPr sz="7258" kern="1200">
+                <a:solidFill>
+                  <a:schemeClr val="tx1"/>
+                </a:solidFill>
+                <a:latin typeface="+mn-lt"/>
+                <a:ea typeface="+mn-ea"/>
+                <a:cs typeface="+mn-cs"/>
+              </a:defRPr>
+            </a:lvl5pPr>
+            <a:lvl6pPr marL="9217152" algn="l" defTabSz="3686861" rtl="0" eaLnBrk="1" latinLnBrk="0" hangingPunct="1">
+              <a:defRPr sz="7258" kern="1200">
+                <a:solidFill>
+                  <a:schemeClr val="tx1"/>
+                </a:solidFill>
+                <a:latin typeface="+mn-lt"/>
+                <a:ea typeface="+mn-ea"/>
+                <a:cs typeface="+mn-cs"/>
+              </a:defRPr>
+            </a:lvl6pPr>
+            <a:lvl7pPr marL="11060582" algn="l" defTabSz="3686861" rtl="0" eaLnBrk="1" latinLnBrk="0" hangingPunct="1">
+              <a:defRPr sz="7258" kern="1200">
+                <a:solidFill>
+                  <a:schemeClr val="tx1"/>
+                </a:solidFill>
+                <a:latin typeface="+mn-lt"/>
+                <a:ea typeface="+mn-ea"/>
+                <a:cs typeface="+mn-cs"/>
+              </a:defRPr>
+            </a:lvl7pPr>
+            <a:lvl8pPr marL="12904013" algn="l" defTabSz="3686861" rtl="0" eaLnBrk="1" latinLnBrk="0" hangingPunct="1">
+              <a:defRPr sz="7258" kern="1200">
+                <a:solidFill>
+                  <a:schemeClr val="tx1"/>
+                </a:solidFill>
+                <a:latin typeface="+mn-lt"/>
+                <a:ea typeface="+mn-ea"/>
+                <a:cs typeface="+mn-cs"/>
+              </a:defRPr>
+            </a:lvl8pPr>
+            <a:lvl9pPr marL="14747443" algn="l" defTabSz="3686861" rtl="0" eaLnBrk="1" latinLnBrk="0" hangingPunct="1">
+              <a:defRPr sz="7258" kern="1200">
+                <a:solidFill>
+                  <a:schemeClr val="tx1"/>
+                </a:solidFill>
+                <a:latin typeface="+mn-lt"/>
+                <a:ea typeface="+mn-ea"/>
+                <a:cs typeface="+mn-cs"/>
+              </a:defRPr>
+            </a:lvl9pPr>
+          </a:lstStyle>
+          <a:p>
+            <a:pPr algn="ctr"/>
+            <a:r>
+              <a:rPr lang="en-US" sz="900" b="1" dirty="0" smtClean="0">
+                <a:latin typeface="Arial" panose="020B0604020202020204" pitchFamily="34" charset="0"/>
+                <a:cs typeface="Arial" panose="020B0604020202020204" pitchFamily="34" charset="0"/>
+              </a:rPr>
+              <a:t>Weekly Shape </a:t>
+            </a:r>
+            <a:endParaRPr lang="en-US" sz="900" b="1" dirty="0">
+              <a:latin typeface="Arial" panose="020B0604020202020204" pitchFamily="34" charset="0"/>
+              <a:cs typeface="Arial" panose="020B0604020202020204" pitchFamily="34" charset="0"/>
+            </a:endParaRPr>
+          </a:p>
+        </p:txBody>
+      </p:sp>
     </p:spTree>
     <p:extLst>
       <p:ext uri="{BB962C8B-B14F-4D97-AF65-F5344CB8AC3E}">
@@ -11999,32 +12789,414 @@
       </p:sp>
       <p:sp>
         <p:nvSpPr>
-          <p:cNvPr id="22" name="TextBox 21"/>
+          <p:cNvPr id="13" name="TextBox 52"/>
           <p:cNvSpPr txBox="1"/>
           <p:nvPr/>
         </p:nvSpPr>
         <p:spPr>
           <a:xfrm>
-            <a:off x="2507699" y="4774945"/>
-            <a:ext cx="4114800" cy="307777"/>
+            <a:off x="2895600" y="815844"/>
+            <a:ext cx="3200400" cy="230832"/>
           </a:xfrm>
           <a:prstGeom prst="rect">
             <a:avLst/>
           </a:prstGeom>
-          <a:noFill/>
+          <a:solidFill>
+            <a:schemeClr val="bg1"/>
+          </a:solidFill>
         </p:spPr>
         <p:txBody>
           <a:bodyPr wrap="square" rtlCol="0">
             <a:spAutoFit/>
           </a:bodyPr>
-          <a:lstStyle/>
+          <a:lstStyle>
+            <a:defPPr>
+              <a:defRPr lang="en-US"/>
+            </a:defPPr>
+            <a:lvl1pPr marL="0" algn="l" defTabSz="3686861" rtl="0" eaLnBrk="1" latinLnBrk="0" hangingPunct="1">
+              <a:defRPr sz="7258" kern="1200">
+                <a:solidFill>
+                  <a:schemeClr val="tx1"/>
+                </a:solidFill>
+                <a:latin typeface="+mn-lt"/>
+                <a:ea typeface="+mn-ea"/>
+                <a:cs typeface="+mn-cs"/>
+              </a:defRPr>
+            </a:lvl1pPr>
+            <a:lvl2pPr marL="1843430" algn="l" defTabSz="3686861" rtl="0" eaLnBrk="1" latinLnBrk="0" hangingPunct="1">
+              <a:defRPr sz="7258" kern="1200">
+                <a:solidFill>
+                  <a:schemeClr val="tx1"/>
+                </a:solidFill>
+                <a:latin typeface="+mn-lt"/>
+                <a:ea typeface="+mn-ea"/>
+                <a:cs typeface="+mn-cs"/>
+              </a:defRPr>
+            </a:lvl2pPr>
+            <a:lvl3pPr marL="3686861" algn="l" defTabSz="3686861" rtl="0" eaLnBrk="1" latinLnBrk="0" hangingPunct="1">
+              <a:defRPr sz="7258" kern="1200">
+                <a:solidFill>
+                  <a:schemeClr val="tx1"/>
+                </a:solidFill>
+                <a:latin typeface="+mn-lt"/>
+                <a:ea typeface="+mn-ea"/>
+                <a:cs typeface="+mn-cs"/>
+              </a:defRPr>
+            </a:lvl3pPr>
+            <a:lvl4pPr marL="5530291" algn="l" defTabSz="3686861" rtl="0" eaLnBrk="1" latinLnBrk="0" hangingPunct="1">
+              <a:defRPr sz="7258" kern="1200">
+                <a:solidFill>
+                  <a:schemeClr val="tx1"/>
+                </a:solidFill>
+                <a:latin typeface="+mn-lt"/>
+                <a:ea typeface="+mn-ea"/>
+                <a:cs typeface="+mn-cs"/>
+              </a:defRPr>
+            </a:lvl4pPr>
+            <a:lvl5pPr marL="7373722" algn="l" defTabSz="3686861" rtl="0" eaLnBrk="1" latinLnBrk="0" hangingPunct="1">
+              <a:defRPr sz="7258" kern="1200">
+                <a:solidFill>
+                  <a:schemeClr val="tx1"/>
+                </a:solidFill>
+                <a:latin typeface="+mn-lt"/>
+                <a:ea typeface="+mn-ea"/>
+                <a:cs typeface="+mn-cs"/>
+              </a:defRPr>
+            </a:lvl5pPr>
+            <a:lvl6pPr marL="9217152" algn="l" defTabSz="3686861" rtl="0" eaLnBrk="1" latinLnBrk="0" hangingPunct="1">
+              <a:defRPr sz="7258" kern="1200">
+                <a:solidFill>
+                  <a:schemeClr val="tx1"/>
+                </a:solidFill>
+                <a:latin typeface="+mn-lt"/>
+                <a:ea typeface="+mn-ea"/>
+                <a:cs typeface="+mn-cs"/>
+              </a:defRPr>
+            </a:lvl6pPr>
+            <a:lvl7pPr marL="11060582" algn="l" defTabSz="3686861" rtl="0" eaLnBrk="1" latinLnBrk="0" hangingPunct="1">
+              <a:defRPr sz="7258" kern="1200">
+                <a:solidFill>
+                  <a:schemeClr val="tx1"/>
+                </a:solidFill>
+                <a:latin typeface="+mn-lt"/>
+                <a:ea typeface="+mn-ea"/>
+                <a:cs typeface="+mn-cs"/>
+              </a:defRPr>
+            </a:lvl7pPr>
+            <a:lvl8pPr marL="12904013" algn="l" defTabSz="3686861" rtl="0" eaLnBrk="1" latinLnBrk="0" hangingPunct="1">
+              <a:defRPr sz="7258" kern="1200">
+                <a:solidFill>
+                  <a:schemeClr val="tx1"/>
+                </a:solidFill>
+                <a:latin typeface="+mn-lt"/>
+                <a:ea typeface="+mn-ea"/>
+                <a:cs typeface="+mn-cs"/>
+              </a:defRPr>
+            </a:lvl8pPr>
+            <a:lvl9pPr marL="14747443" algn="l" defTabSz="3686861" rtl="0" eaLnBrk="1" latinLnBrk="0" hangingPunct="1">
+              <a:defRPr sz="7258" kern="1200">
+                <a:solidFill>
+                  <a:schemeClr val="tx1"/>
+                </a:solidFill>
+                <a:latin typeface="+mn-lt"/>
+                <a:ea typeface="+mn-ea"/>
+                <a:cs typeface="+mn-cs"/>
+              </a:defRPr>
+            </a:lvl9pPr>
+          </a:lstStyle>
           <a:p>
             <a:pPr algn="ctr"/>
             <a:r>
-              <a:rPr lang="en-US" sz="1400" dirty="0" smtClean="0"/>
-              <a:t>Natural Gas Resource Dispatch</a:t>
+              <a:rPr lang="en-US" sz="900" b="1" dirty="0" smtClean="0">
+                <a:latin typeface="Arial" panose="020B0604020202020204" pitchFamily="34" charset="0"/>
+                <a:cs typeface="Arial" panose="020B0604020202020204" pitchFamily="34" charset="0"/>
+              </a:rPr>
+              <a:t>Power Price Log-Returns (Historical + Simulated)</a:t>
             </a:r>
-            <a:endParaRPr lang="en-US" sz="1400" dirty="0"/>
+            <a:endParaRPr lang="en-US" sz="900" b="1" dirty="0">
+              <a:latin typeface="Arial" panose="020B0604020202020204" pitchFamily="34" charset="0"/>
+              <a:cs typeface="Arial" panose="020B0604020202020204" pitchFamily="34" charset="0"/>
+            </a:endParaRPr>
+          </a:p>
+        </p:txBody>
+      </p:sp>
+      <p:sp>
+        <p:nvSpPr>
+          <p:cNvPr id="14" name="TextBox 52"/>
+          <p:cNvSpPr txBox="1"/>
+          <p:nvPr/>
+        </p:nvSpPr>
+        <p:spPr>
+          <a:xfrm>
+            <a:off x="1905000" y="2755999"/>
+            <a:ext cx="914400" cy="369332"/>
+          </a:xfrm>
+          <a:prstGeom prst="rect">
+            <a:avLst/>
+          </a:prstGeom>
+          <a:solidFill>
+            <a:schemeClr val="bg1"/>
+          </a:solidFill>
+        </p:spPr>
+        <p:txBody>
+          <a:bodyPr wrap="square" rtlCol="0">
+            <a:spAutoFit/>
+          </a:bodyPr>
+          <a:lstStyle>
+            <a:defPPr>
+              <a:defRPr lang="en-US"/>
+            </a:defPPr>
+            <a:lvl1pPr marL="0" algn="l" defTabSz="3686861" rtl="0" eaLnBrk="1" latinLnBrk="0" hangingPunct="1">
+              <a:defRPr sz="7258" kern="1200">
+                <a:solidFill>
+                  <a:schemeClr val="tx1"/>
+                </a:solidFill>
+                <a:latin typeface="+mn-lt"/>
+                <a:ea typeface="+mn-ea"/>
+                <a:cs typeface="+mn-cs"/>
+              </a:defRPr>
+            </a:lvl1pPr>
+            <a:lvl2pPr marL="1843430" algn="l" defTabSz="3686861" rtl="0" eaLnBrk="1" latinLnBrk="0" hangingPunct="1">
+              <a:defRPr sz="7258" kern="1200">
+                <a:solidFill>
+                  <a:schemeClr val="tx1"/>
+                </a:solidFill>
+                <a:latin typeface="+mn-lt"/>
+                <a:ea typeface="+mn-ea"/>
+                <a:cs typeface="+mn-cs"/>
+              </a:defRPr>
+            </a:lvl2pPr>
+            <a:lvl3pPr marL="3686861" algn="l" defTabSz="3686861" rtl="0" eaLnBrk="1" latinLnBrk="0" hangingPunct="1">
+              <a:defRPr sz="7258" kern="1200">
+                <a:solidFill>
+                  <a:schemeClr val="tx1"/>
+                </a:solidFill>
+                <a:latin typeface="+mn-lt"/>
+                <a:ea typeface="+mn-ea"/>
+                <a:cs typeface="+mn-cs"/>
+              </a:defRPr>
+            </a:lvl3pPr>
+            <a:lvl4pPr marL="5530291" algn="l" defTabSz="3686861" rtl="0" eaLnBrk="1" latinLnBrk="0" hangingPunct="1">
+              <a:defRPr sz="7258" kern="1200">
+                <a:solidFill>
+                  <a:schemeClr val="tx1"/>
+                </a:solidFill>
+                <a:latin typeface="+mn-lt"/>
+                <a:ea typeface="+mn-ea"/>
+                <a:cs typeface="+mn-cs"/>
+              </a:defRPr>
+            </a:lvl4pPr>
+            <a:lvl5pPr marL="7373722" algn="l" defTabSz="3686861" rtl="0" eaLnBrk="1" latinLnBrk="0" hangingPunct="1">
+              <a:defRPr sz="7258" kern="1200">
+                <a:solidFill>
+                  <a:schemeClr val="tx1"/>
+                </a:solidFill>
+                <a:latin typeface="+mn-lt"/>
+                <a:ea typeface="+mn-ea"/>
+                <a:cs typeface="+mn-cs"/>
+              </a:defRPr>
+            </a:lvl5pPr>
+            <a:lvl6pPr marL="9217152" algn="l" defTabSz="3686861" rtl="0" eaLnBrk="1" latinLnBrk="0" hangingPunct="1">
+              <a:defRPr sz="7258" kern="1200">
+                <a:solidFill>
+                  <a:schemeClr val="tx1"/>
+                </a:solidFill>
+                <a:latin typeface="+mn-lt"/>
+                <a:ea typeface="+mn-ea"/>
+                <a:cs typeface="+mn-cs"/>
+              </a:defRPr>
+            </a:lvl6pPr>
+            <a:lvl7pPr marL="11060582" algn="l" defTabSz="3686861" rtl="0" eaLnBrk="1" latinLnBrk="0" hangingPunct="1">
+              <a:defRPr sz="7258" kern="1200">
+                <a:solidFill>
+                  <a:schemeClr val="tx1"/>
+                </a:solidFill>
+                <a:latin typeface="+mn-lt"/>
+                <a:ea typeface="+mn-ea"/>
+                <a:cs typeface="+mn-cs"/>
+              </a:defRPr>
+            </a:lvl7pPr>
+            <a:lvl8pPr marL="12904013" algn="l" defTabSz="3686861" rtl="0" eaLnBrk="1" latinLnBrk="0" hangingPunct="1">
+              <a:defRPr sz="7258" kern="1200">
+                <a:solidFill>
+                  <a:schemeClr val="tx1"/>
+                </a:solidFill>
+                <a:latin typeface="+mn-lt"/>
+                <a:ea typeface="+mn-ea"/>
+                <a:cs typeface="+mn-cs"/>
+              </a:defRPr>
+            </a:lvl8pPr>
+            <a:lvl9pPr marL="14747443" algn="l" defTabSz="3686861" rtl="0" eaLnBrk="1" latinLnBrk="0" hangingPunct="1">
+              <a:defRPr sz="7258" kern="1200">
+                <a:solidFill>
+                  <a:schemeClr val="tx1"/>
+                </a:solidFill>
+                <a:latin typeface="+mn-lt"/>
+                <a:ea typeface="+mn-ea"/>
+                <a:cs typeface="+mn-cs"/>
+              </a:defRPr>
+            </a:lvl9pPr>
+          </a:lstStyle>
+          <a:p>
+            <a:pPr algn="r"/>
+            <a:r>
+              <a:rPr lang="en-US" sz="900" b="1" dirty="0" smtClean="0">
+                <a:latin typeface="Arial" panose="020B0604020202020204" pitchFamily="34" charset="0"/>
+                <a:cs typeface="Arial" panose="020B0604020202020204" pitchFamily="34" charset="0"/>
+              </a:rPr>
+              <a:t>Seasonality in Volatility </a:t>
+            </a:r>
+            <a:endParaRPr lang="en-US" sz="900" b="1" dirty="0">
+              <a:latin typeface="Arial" panose="020B0604020202020204" pitchFamily="34" charset="0"/>
+              <a:cs typeface="Arial" panose="020B0604020202020204" pitchFamily="34" charset="0"/>
+            </a:endParaRPr>
+          </a:p>
+        </p:txBody>
+      </p:sp>
+      <p:sp>
+        <p:nvSpPr>
+          <p:cNvPr id="23" name="TextBox 52"/>
+          <p:cNvSpPr txBox="1"/>
+          <p:nvPr/>
+        </p:nvSpPr>
+        <p:spPr>
+          <a:xfrm>
+            <a:off x="2964899" y="4742156"/>
+            <a:ext cx="3200400" cy="230832"/>
+          </a:xfrm>
+          <a:prstGeom prst="rect">
+            <a:avLst/>
+          </a:prstGeom>
+          <a:solidFill>
+            <a:schemeClr val="bg1"/>
+          </a:solidFill>
+        </p:spPr>
+        <p:txBody>
+          <a:bodyPr wrap="square" rtlCol="0">
+            <a:spAutoFit/>
+          </a:bodyPr>
+          <a:lstStyle>
+            <a:defPPr>
+              <a:defRPr lang="en-US"/>
+            </a:defPPr>
+            <a:lvl1pPr marL="0" algn="l" defTabSz="3686861" rtl="0" eaLnBrk="1" latinLnBrk="0" hangingPunct="1">
+              <a:defRPr sz="7258" kern="1200">
+                <a:solidFill>
+                  <a:schemeClr val="tx1"/>
+                </a:solidFill>
+                <a:latin typeface="+mn-lt"/>
+                <a:ea typeface="+mn-ea"/>
+                <a:cs typeface="+mn-cs"/>
+              </a:defRPr>
+            </a:lvl1pPr>
+            <a:lvl2pPr marL="1843430" algn="l" defTabSz="3686861" rtl="0" eaLnBrk="1" latinLnBrk="0" hangingPunct="1">
+              <a:defRPr sz="7258" kern="1200">
+                <a:solidFill>
+                  <a:schemeClr val="tx1"/>
+                </a:solidFill>
+                <a:latin typeface="+mn-lt"/>
+                <a:ea typeface="+mn-ea"/>
+                <a:cs typeface="+mn-cs"/>
+              </a:defRPr>
+            </a:lvl2pPr>
+            <a:lvl3pPr marL="3686861" algn="l" defTabSz="3686861" rtl="0" eaLnBrk="1" latinLnBrk="0" hangingPunct="1">
+              <a:defRPr sz="7258" kern="1200">
+                <a:solidFill>
+                  <a:schemeClr val="tx1"/>
+                </a:solidFill>
+                <a:latin typeface="+mn-lt"/>
+                <a:ea typeface="+mn-ea"/>
+                <a:cs typeface="+mn-cs"/>
+              </a:defRPr>
+            </a:lvl3pPr>
+            <a:lvl4pPr marL="5530291" algn="l" defTabSz="3686861" rtl="0" eaLnBrk="1" latinLnBrk="0" hangingPunct="1">
+              <a:defRPr sz="7258" kern="1200">
+                <a:solidFill>
+                  <a:schemeClr val="tx1"/>
+                </a:solidFill>
+                <a:latin typeface="+mn-lt"/>
+                <a:ea typeface="+mn-ea"/>
+                <a:cs typeface="+mn-cs"/>
+              </a:defRPr>
+            </a:lvl4pPr>
+            <a:lvl5pPr marL="7373722" algn="l" defTabSz="3686861" rtl="0" eaLnBrk="1" latinLnBrk="0" hangingPunct="1">
+              <a:defRPr sz="7258" kern="1200">
+                <a:solidFill>
+                  <a:schemeClr val="tx1"/>
+                </a:solidFill>
+                <a:latin typeface="+mn-lt"/>
+                <a:ea typeface="+mn-ea"/>
+                <a:cs typeface="+mn-cs"/>
+              </a:defRPr>
+            </a:lvl5pPr>
+            <a:lvl6pPr marL="9217152" algn="l" defTabSz="3686861" rtl="0" eaLnBrk="1" latinLnBrk="0" hangingPunct="1">
+              <a:defRPr sz="7258" kern="1200">
+                <a:solidFill>
+                  <a:schemeClr val="tx1"/>
+                </a:solidFill>
+                <a:latin typeface="+mn-lt"/>
+                <a:ea typeface="+mn-ea"/>
+                <a:cs typeface="+mn-cs"/>
+              </a:defRPr>
+            </a:lvl6pPr>
+            <a:lvl7pPr marL="11060582" algn="l" defTabSz="3686861" rtl="0" eaLnBrk="1" latinLnBrk="0" hangingPunct="1">
+              <a:defRPr sz="7258" kern="1200">
+                <a:solidFill>
+                  <a:schemeClr val="tx1"/>
+                </a:solidFill>
+                <a:latin typeface="+mn-lt"/>
+                <a:ea typeface="+mn-ea"/>
+                <a:cs typeface="+mn-cs"/>
+              </a:defRPr>
+            </a:lvl7pPr>
+            <a:lvl8pPr marL="12904013" algn="l" defTabSz="3686861" rtl="0" eaLnBrk="1" latinLnBrk="0" hangingPunct="1">
+              <a:defRPr sz="7258" kern="1200">
+                <a:solidFill>
+                  <a:schemeClr val="tx1"/>
+                </a:solidFill>
+                <a:latin typeface="+mn-lt"/>
+                <a:ea typeface="+mn-ea"/>
+                <a:cs typeface="+mn-cs"/>
+              </a:defRPr>
+            </a:lvl8pPr>
+            <a:lvl9pPr marL="14747443" algn="l" defTabSz="3686861" rtl="0" eaLnBrk="1" latinLnBrk="0" hangingPunct="1">
+              <a:defRPr sz="7258" kern="1200">
+                <a:solidFill>
+                  <a:schemeClr val="tx1"/>
+                </a:solidFill>
+                <a:latin typeface="+mn-lt"/>
+                <a:ea typeface="+mn-ea"/>
+                <a:cs typeface="+mn-cs"/>
+              </a:defRPr>
+            </a:lvl9pPr>
+          </a:lstStyle>
+          <a:p>
+            <a:pPr algn="ctr"/>
+            <a:r>
+              <a:rPr lang="en-US" sz="900" b="1" dirty="0">
+                <a:latin typeface="Arial" panose="020B0604020202020204" pitchFamily="34" charset="0"/>
+                <a:cs typeface="Arial" panose="020B0604020202020204" pitchFamily="34" charset="0"/>
+              </a:rPr>
+              <a:t>Natural Gas Resource </a:t>
+            </a:r>
+            <a:r>
+              <a:rPr lang="en-US" sz="900" b="1" dirty="0" smtClean="0">
+                <a:latin typeface="Arial" panose="020B0604020202020204" pitchFamily="34" charset="0"/>
+                <a:cs typeface="Arial" panose="020B0604020202020204" pitchFamily="34" charset="0"/>
+              </a:rPr>
+              <a:t>Dispatch </a:t>
+            </a:r>
+            <a:r>
+              <a:rPr lang="en-US" sz="900" b="1" dirty="0" smtClean="0">
+                <a:latin typeface="Arial" panose="020B0604020202020204" pitchFamily="34" charset="0"/>
+                <a:cs typeface="Arial" panose="020B0604020202020204" pitchFamily="34" charset="0"/>
+              </a:rPr>
+              <a:t>(Historical + Simulated)</a:t>
+            </a:r>
+            <a:endParaRPr lang="en-US" sz="900" b="1" dirty="0">
+              <a:latin typeface="Arial" panose="020B0604020202020204" pitchFamily="34" charset="0"/>
+              <a:cs typeface="Arial" panose="020B0604020202020204" pitchFamily="34" charset="0"/>
+            </a:endParaRPr>
           </a:p>
         </p:txBody>
       </p:sp>
@@ -12898,6 +14070,21 @@
 </file>
 
 <file path=customXml/item1.xml><?xml version="1.0" encoding="utf-8"?>
+<p:properties xmlns:p="http://schemas.microsoft.com/office/2006/metadata/properties" xmlns:xsi="http://www.w3.org/2001/XMLSchema-instance">
+  <documentManagement/>
+</p:properties>
+</file>
+
+<file path=customXml/item2.xml><?xml version="1.0" encoding="utf-8"?>
+<?mso-contentType ?>
+<FormTemplates xmlns="http://schemas.microsoft.com/sharepoint/v3/contenttype/forms">
+  <Display>DocumentLibraryForm</Display>
+  <Edit>DocumentLibraryForm</Edit>
+  <New>DocumentLibraryForm</New>
+</FormTemplates>
+</file>
+
+<file path=customXml/item3.xml><?xml version="1.0" encoding="utf-8"?>
 <ct:contentTypeSchema xmlns:ct="http://schemas.microsoft.com/office/2006/metadata/contentType" xmlns:ma="http://schemas.microsoft.com/office/2006/metadata/properties/metaAttributes" ct:_="" ma:_="" ma:contentTypeName="Document" ma:contentTypeID="0x0101006399602E528B9340B79E45D224985DF8" ma:contentTypeVersion="0" ma:contentTypeDescription="Create a new document." ma:contentTypeScope="" ma:versionID="7c5a76820a14d931c63403739b74fa4c">
   <xsd:schema xmlns:xsd="http://www.w3.org/2001/XMLSchema" xmlns:p="http://schemas.microsoft.com/office/2006/metadata/properties" targetNamespace="http://schemas.microsoft.com/office/2006/metadata/properties" ma:root="true" ma:fieldsID="4aeb20c0e3442673af7ee10786458764">
     <xsd:element name="properties">
@@ -12946,32 +14133,16 @@
 </ct:contentTypeSchema>
 </file>
 
-<file path=customXml/item2.xml><?xml version="1.0" encoding="utf-8"?>
-<?mso-contentType ?>
-<FormTemplates xmlns="http://schemas.microsoft.com/sharepoint/v3/contenttype/forms">
-  <Display>DocumentLibraryForm</Display>
-  <Edit>DocumentLibraryForm</Edit>
-  <New>DocumentLibraryForm</New>
-</FormTemplates>
-</file>
-
-<file path=customXml/item3.xml><?xml version="1.0" encoding="utf-8"?>
-<p:properties xmlns:p="http://schemas.microsoft.com/office/2006/metadata/properties" xmlns:xsi="http://www.w3.org/2001/XMLSchema-instance">
-  <documentManagement/>
-</p:properties>
-</file>
-
 <file path=customXml/itemProps1.xml><?xml version="1.0" encoding="utf-8"?>
-<ds:datastoreItem xmlns:ds="http://schemas.openxmlformats.org/officeDocument/2006/customXml" ds:itemID="{DCE8D846-4137-42FD-BF10-65EB4C5CC7F6}">
+<ds:datastoreItem xmlns:ds="http://schemas.openxmlformats.org/officeDocument/2006/customXml" ds:itemID="{F0828FC5-3BE2-4558-96D5-FA8F78BC4585}">
   <ds:schemaRefs>
-    <ds:schemaRef ds:uri="http://schemas.microsoft.com/office/2006/metadata/contentType"/>
-    <ds:schemaRef ds:uri="http://schemas.microsoft.com/office/2006/metadata/properties/metaAttributes"/>
-    <ds:schemaRef ds:uri="http://www.w3.org/2001/XMLSchema"/>
+    <ds:schemaRef ds:uri="http://purl.org/dc/terms/"/>
+    <ds:schemaRef ds:uri="http://www.w3.org/XML/1998/namespace"/>
+    <ds:schemaRef ds:uri="http://purl.org/dc/dcmitype/"/>
+    <ds:schemaRef ds:uri="http://schemas.microsoft.com/office/2006/documentManagement/types"/>
+    <ds:schemaRef ds:uri="http://schemas.openxmlformats.org/package/2006/metadata/core-properties"/>
     <ds:schemaRef ds:uri="http://schemas.microsoft.com/office/2006/metadata/properties"/>
-    <ds:schemaRef ds:uri="http://schemas.openxmlformats.org/package/2006/metadata/core-properties"/>
     <ds:schemaRef ds:uri="http://purl.org/dc/elements/1.1/"/>
-    <ds:schemaRef ds:uri="http://purl.org/dc/terms/"/>
-    <ds:schemaRef ds:uri="http://schemas.microsoft.com/office/internal/2005/internalDocumentation"/>
   </ds:schemaRefs>
 </ds:datastoreItem>
 </file>
@@ -12985,15 +14156,16 @@
 </file>
 
 <file path=customXml/itemProps3.xml><?xml version="1.0" encoding="utf-8"?>
-<ds:datastoreItem xmlns:ds="http://schemas.openxmlformats.org/officeDocument/2006/customXml" ds:itemID="{F0828FC5-3BE2-4558-96D5-FA8F78BC4585}">
+<ds:datastoreItem xmlns:ds="http://schemas.openxmlformats.org/officeDocument/2006/customXml" ds:itemID="{DCE8D846-4137-42FD-BF10-65EB4C5CC7F6}">
   <ds:schemaRefs>
+    <ds:schemaRef ds:uri="http://schemas.microsoft.com/office/2006/metadata/contentType"/>
+    <ds:schemaRef ds:uri="http://schemas.microsoft.com/office/2006/metadata/properties/metaAttributes"/>
+    <ds:schemaRef ds:uri="http://www.w3.org/2001/XMLSchema"/>
+    <ds:schemaRef ds:uri="http://schemas.microsoft.com/office/2006/metadata/properties"/>
+    <ds:schemaRef ds:uri="http://schemas.openxmlformats.org/package/2006/metadata/core-properties"/>
+    <ds:schemaRef ds:uri="http://purl.org/dc/elements/1.1/"/>
     <ds:schemaRef ds:uri="http://purl.org/dc/terms/"/>
-    <ds:schemaRef ds:uri="http://www.w3.org/XML/1998/namespace"/>
-    <ds:schemaRef ds:uri="http://purl.org/dc/dcmitype/"/>
-    <ds:schemaRef ds:uri="http://schemas.microsoft.com/office/2006/documentManagement/types"/>
-    <ds:schemaRef ds:uri="http://schemas.openxmlformats.org/package/2006/metadata/core-properties"/>
-    <ds:schemaRef ds:uri="http://schemas.microsoft.com/office/2006/metadata/properties"/>
-    <ds:schemaRef ds:uri="http://purl.org/dc/elements/1.1/"/>
+    <ds:schemaRef ds:uri="http://schemas.microsoft.com/office/internal/2005/internalDocumentation"/>
   </ds:schemaRefs>
 </ds:datastoreItem>
 </file>
--- a/Bunched Random Forest in Monte Carlo Risk Simulation.pptx
+++ b/Bunched Random Forest in Monte Carlo Risk Simulation.pptx
@@ -7,6 +7,9 @@
   <p:notesMasterIdLst>
     <p:notesMasterId r:id="rId14"/>
   </p:notesMasterIdLst>
+  <p:handoutMasterIdLst>
+    <p:handoutMasterId r:id="rId15"/>
+  </p:handoutMasterIdLst>
   <p:sldIdLst>
     <p:sldId id="292" r:id="rId5"/>
     <p:sldId id="293" r:id="rId6"/>
@@ -146,6 +149,171 @@
 </p:cmAuthorLst>
 </file>
 
+<file path=ppt/handoutMasters/handoutMaster1.xml><?xml version="1.0" encoding="utf-8"?>
+<p:handoutMaster xmlns:a="http://schemas.openxmlformats.org/drawingml/2006/main" xmlns:r="http://schemas.openxmlformats.org/officeDocument/2006/relationships" xmlns:p="http://schemas.openxmlformats.org/presentationml/2006/main">
+  <p:cSld>
+    <p:bg>
+      <p:bgRef idx="1001">
+        <a:schemeClr val="bg1"/>
+      </p:bgRef>
+    </p:bg>
+    <p:spTree>
+      <p:nvGrpSpPr>
+        <p:cNvPr id="1" name=""/>
+        <p:cNvGrpSpPr/>
+        <p:nvPr/>
+      </p:nvGrpSpPr>
+      <p:grpSpPr>
+        <a:xfrm>
+          <a:off x="0" y="0"/>
+          <a:ext cx="0" cy="0"/>
+          <a:chOff x="0" y="0"/>
+          <a:chExt cx="0" cy="0"/>
+        </a:xfrm>
+      </p:grpSpPr>
+      <p:sp>
+        <p:nvSpPr>
+          <p:cNvPr id="2" name="Header Placeholder 1"/>
+          <p:cNvSpPr>
+            <a:spLocks noGrp="1"/>
+          </p:cNvSpPr>
+          <p:nvPr>
+            <p:ph type="hdr" sz="quarter"/>
+          </p:nvPr>
+        </p:nvSpPr>
+        <p:spPr>
+          <a:xfrm>
+            <a:off x="0" y="0"/>
+            <a:ext cx="2971800" cy="458788"/>
+          </a:xfrm>
+          <a:prstGeom prst="rect">
+            <a:avLst/>
+          </a:prstGeom>
+        </p:spPr>
+        <p:txBody>
+          <a:bodyPr vert="horz" lIns="91440" tIns="45720" rIns="91440" bIns="45720" rtlCol="0"/>
+          <a:lstStyle>
+            <a:lvl1pPr algn="l">
+              <a:defRPr sz="1200"/>
+            </a:lvl1pPr>
+          </a:lstStyle>
+          <a:p>
+            <a:endParaRPr lang="en-US"/>
+          </a:p>
+        </p:txBody>
+      </p:sp>
+      <p:sp>
+        <p:nvSpPr>
+          <p:cNvPr id="3" name="Date Placeholder 2"/>
+          <p:cNvSpPr>
+            <a:spLocks noGrp="1"/>
+          </p:cNvSpPr>
+          <p:nvPr>
+            <p:ph type="dt" sz="quarter" idx="1"/>
+          </p:nvPr>
+        </p:nvSpPr>
+        <p:spPr>
+          <a:xfrm>
+            <a:off x="3884613" y="0"/>
+            <a:ext cx="2971800" cy="458788"/>
+          </a:xfrm>
+          <a:prstGeom prst="rect">
+            <a:avLst/>
+          </a:prstGeom>
+        </p:spPr>
+        <p:txBody>
+          <a:bodyPr vert="horz" lIns="91440" tIns="45720" rIns="91440" bIns="45720" rtlCol="0"/>
+          <a:lstStyle>
+            <a:lvl1pPr algn="r">
+              <a:defRPr sz="1200"/>
+            </a:lvl1pPr>
+          </a:lstStyle>
+          <a:p>
+            <a:fld id="{3EE85054-AACF-44CD-BFD3-7F2726DCC5C3}" type="datetimeFigureOut">
+              <a:rPr lang="en-US" smtClean="0"/>
+              <a:t>5/16/2017</a:t>
+            </a:fld>
+            <a:endParaRPr lang="en-US"/>
+          </a:p>
+        </p:txBody>
+      </p:sp>
+      <p:sp>
+        <p:nvSpPr>
+          <p:cNvPr id="4" name="Footer Placeholder 3"/>
+          <p:cNvSpPr>
+            <a:spLocks noGrp="1"/>
+          </p:cNvSpPr>
+          <p:nvPr>
+            <p:ph type="ftr" sz="quarter" idx="2"/>
+          </p:nvPr>
+        </p:nvSpPr>
+        <p:spPr>
+          <a:xfrm>
+            <a:off x="0" y="8685213"/>
+            <a:ext cx="2971800" cy="458787"/>
+          </a:xfrm>
+          <a:prstGeom prst="rect">
+            <a:avLst/>
+          </a:prstGeom>
+        </p:spPr>
+        <p:txBody>
+          <a:bodyPr vert="horz" lIns="91440" tIns="45720" rIns="91440" bIns="45720" rtlCol="0" anchor="b"/>
+          <a:lstStyle>
+            <a:lvl1pPr algn="l">
+              <a:defRPr sz="1200"/>
+            </a:lvl1pPr>
+          </a:lstStyle>
+          <a:p>
+            <a:endParaRPr lang="en-US"/>
+          </a:p>
+        </p:txBody>
+      </p:sp>
+      <p:sp>
+        <p:nvSpPr>
+          <p:cNvPr id="5" name="Slide Number Placeholder 4"/>
+          <p:cNvSpPr>
+            <a:spLocks noGrp="1"/>
+          </p:cNvSpPr>
+          <p:nvPr>
+            <p:ph type="sldNum" sz="quarter" idx="3"/>
+          </p:nvPr>
+        </p:nvSpPr>
+        <p:spPr>
+          <a:xfrm>
+            <a:off x="3884613" y="8685213"/>
+            <a:ext cx="2971800" cy="458787"/>
+          </a:xfrm>
+          <a:prstGeom prst="rect">
+            <a:avLst/>
+          </a:prstGeom>
+        </p:spPr>
+        <p:txBody>
+          <a:bodyPr vert="horz" lIns="91440" tIns="45720" rIns="91440" bIns="45720" rtlCol="0" anchor="b"/>
+          <a:lstStyle>
+            <a:lvl1pPr algn="r">
+              <a:defRPr sz="1200"/>
+            </a:lvl1pPr>
+          </a:lstStyle>
+          <a:p>
+            <a:fld id="{1792F86E-2B2A-4B80-AD40-A39E485D3127}" type="slidenum">
+              <a:rPr lang="en-US" smtClean="0"/>
+              <a:t>‹#›</a:t>
+            </a:fld>
+            <a:endParaRPr lang="en-US"/>
+          </a:p>
+        </p:txBody>
+      </p:sp>
+    </p:spTree>
+    <p:extLst>
+      <p:ext uri="{BB962C8B-B14F-4D97-AF65-F5344CB8AC3E}">
+        <p14:creationId xmlns:p14="http://schemas.microsoft.com/office/powerpoint/2010/main" val="2664835129"/>
+      </p:ext>
+    </p:extLst>
+  </p:cSld>
+  <p:clrMap bg1="lt1" tx1="dk1" bg2="lt2" tx2="dk2" accent1="accent1" accent2="accent2" accent3="accent3" accent4="accent4" accent5="accent5" accent6="accent6" hlink="hlink" folHlink="folHlink"/>
+</p:handoutMaster>
+</file>
+
 <file path=ppt/notesMasters/notesMaster1.xml><?xml version="1.0" encoding="utf-8"?>
 <p:notesMaster xmlns:a="http://schemas.openxmlformats.org/drawingml/2006/main" xmlns:r="http://schemas.openxmlformats.org/officeDocument/2006/relationships" xmlns:p="http://schemas.openxmlformats.org/presentationml/2006/main">
   <p:cSld>
@@ -228,7 +396,7 @@
           <a:p>
             <a:fld id="{909AFCF1-7F48-4D21-8D27-97E9804428B6}" type="datetimeFigureOut">
               <a:rPr lang="en-US" smtClean="0"/>
-              <a:t>5/3/2017</a:t>
+              <a:t>5/16/2017</a:t>
             </a:fld>
             <a:endParaRPr lang="en-US"/>
           </a:p>
@@ -496,6 +664,1065 @@
 </p:notesMaster>
 </file>
 
+<file path=ppt/notesSlides/notesSlide1.xml><?xml version="1.0" encoding="utf-8"?>
+<p:notes xmlns:a="http://schemas.openxmlformats.org/drawingml/2006/main" xmlns:r="http://schemas.openxmlformats.org/officeDocument/2006/relationships" xmlns:p="http://schemas.openxmlformats.org/presentationml/2006/main">
+  <p:cSld>
+    <p:spTree>
+      <p:nvGrpSpPr>
+        <p:cNvPr id="1" name=""/>
+        <p:cNvGrpSpPr/>
+        <p:nvPr/>
+      </p:nvGrpSpPr>
+      <p:grpSpPr>
+        <a:xfrm>
+          <a:off x="0" y="0"/>
+          <a:ext cx="0" cy="0"/>
+          <a:chOff x="0" y="0"/>
+          <a:chExt cx="0" cy="0"/>
+        </a:xfrm>
+      </p:grpSpPr>
+      <p:sp>
+        <p:nvSpPr>
+          <p:cNvPr id="2" name="Slide Image Placeholder 1"/>
+          <p:cNvSpPr>
+            <a:spLocks noGrp="1" noRot="1" noChangeAspect="1"/>
+          </p:cNvSpPr>
+          <p:nvPr>
+            <p:ph type="sldImg"/>
+          </p:nvPr>
+        </p:nvSpPr>
+        <p:spPr/>
+      </p:sp>
+      <p:sp>
+        <p:nvSpPr>
+          <p:cNvPr id="3" name="Notes Placeholder 2"/>
+          <p:cNvSpPr>
+            <a:spLocks noGrp="1"/>
+          </p:cNvSpPr>
+          <p:nvPr>
+            <p:ph type="body" idx="1"/>
+          </p:nvPr>
+        </p:nvSpPr>
+        <p:spPr/>
+        <p:txBody>
+          <a:bodyPr/>
+          <a:lstStyle/>
+          <a:p>
+            <a:endParaRPr lang="en-US" dirty="0"/>
+          </a:p>
+        </p:txBody>
+      </p:sp>
+      <p:sp>
+        <p:nvSpPr>
+          <p:cNvPr id="4" name="Slide Number Placeholder 3"/>
+          <p:cNvSpPr>
+            <a:spLocks noGrp="1"/>
+          </p:cNvSpPr>
+          <p:nvPr>
+            <p:ph type="sldNum" sz="quarter" idx="10"/>
+          </p:nvPr>
+        </p:nvSpPr>
+        <p:spPr/>
+        <p:txBody>
+          <a:bodyPr/>
+          <a:lstStyle/>
+          <a:p>
+            <a:fld id="{3D00CCCD-C54A-4809-99DF-956DDAD2D776}" type="slidenum">
+              <a:rPr lang="en-US" smtClean="0"/>
+              <a:t>1</a:t>
+            </a:fld>
+            <a:endParaRPr lang="en-US"/>
+          </a:p>
+        </p:txBody>
+      </p:sp>
+    </p:spTree>
+    <p:extLst>
+      <p:ext uri="{BB962C8B-B14F-4D97-AF65-F5344CB8AC3E}">
+        <p14:creationId xmlns:p14="http://schemas.microsoft.com/office/powerpoint/2010/main" val="2818348423"/>
+      </p:ext>
+    </p:extLst>
+  </p:cSld>
+  <p:clrMapOvr>
+    <a:masterClrMapping/>
+  </p:clrMapOvr>
+</p:notes>
+</file>
+
+<file path=ppt/notesSlides/notesSlide2.xml><?xml version="1.0" encoding="utf-8"?>
+<p:notes xmlns:a="http://schemas.openxmlformats.org/drawingml/2006/main" xmlns:r="http://schemas.openxmlformats.org/officeDocument/2006/relationships" xmlns:p="http://schemas.openxmlformats.org/presentationml/2006/main">
+  <p:cSld>
+    <p:spTree>
+      <p:nvGrpSpPr>
+        <p:cNvPr id="1" name=""/>
+        <p:cNvGrpSpPr/>
+        <p:nvPr/>
+      </p:nvGrpSpPr>
+      <p:grpSpPr>
+        <a:xfrm>
+          <a:off x="0" y="0"/>
+          <a:ext cx="0" cy="0"/>
+          <a:chOff x="0" y="0"/>
+          <a:chExt cx="0" cy="0"/>
+        </a:xfrm>
+      </p:grpSpPr>
+      <p:sp>
+        <p:nvSpPr>
+          <p:cNvPr id="2" name="Slide Image Placeholder 1"/>
+          <p:cNvSpPr>
+            <a:spLocks noGrp="1" noRot="1" noChangeAspect="1"/>
+          </p:cNvSpPr>
+          <p:nvPr>
+            <p:ph type="sldImg"/>
+          </p:nvPr>
+        </p:nvSpPr>
+        <p:spPr/>
+      </p:sp>
+      <p:sp>
+        <p:nvSpPr>
+          <p:cNvPr id="3" name="Notes Placeholder 2"/>
+          <p:cNvSpPr>
+            <a:spLocks noGrp="1"/>
+          </p:cNvSpPr>
+          <p:nvPr>
+            <p:ph type="body" idx="1"/>
+          </p:nvPr>
+        </p:nvSpPr>
+        <p:spPr/>
+        <p:txBody>
+          <a:bodyPr/>
+          <a:lstStyle/>
+          <a:p>
+            <a:r>
+              <a:rPr lang="en-US" dirty="0" smtClean="0"/>
+              <a:t>My name is Eina Ooka, and I work for The</a:t>
+            </a:r>
+            <a:r>
+              <a:rPr lang="en-US" baseline="0" dirty="0" smtClean="0"/>
+              <a:t> Energy Authority that serves public utilities nationwide for trading and analytics services. </a:t>
+            </a:r>
+          </a:p>
+          <a:p>
+            <a:endParaRPr lang="en-US" baseline="0" dirty="0" smtClean="0"/>
+          </a:p>
+          <a:p>
+            <a:r>
+              <a:rPr lang="en-US" baseline="0" dirty="0" smtClean="0"/>
+              <a:t>My particular focus is mid-term portfolio management, and for this purpose, I build and run stochastic simulation models for energy and gas wholesale markets. </a:t>
+            </a:r>
+          </a:p>
+          <a:p>
+            <a:endParaRPr lang="en-US" dirty="0"/>
+          </a:p>
+        </p:txBody>
+      </p:sp>
+      <p:sp>
+        <p:nvSpPr>
+          <p:cNvPr id="4" name="Slide Number Placeholder 3"/>
+          <p:cNvSpPr>
+            <a:spLocks noGrp="1"/>
+          </p:cNvSpPr>
+          <p:nvPr>
+            <p:ph type="sldNum" sz="quarter" idx="10"/>
+          </p:nvPr>
+        </p:nvSpPr>
+        <p:spPr/>
+        <p:txBody>
+          <a:bodyPr/>
+          <a:lstStyle/>
+          <a:p>
+            <a:fld id="{3D00CCCD-C54A-4809-99DF-956DDAD2D776}" type="slidenum">
+              <a:rPr lang="en-US" smtClean="0"/>
+              <a:t>2</a:t>
+            </a:fld>
+            <a:endParaRPr lang="en-US"/>
+          </a:p>
+        </p:txBody>
+      </p:sp>
+    </p:spTree>
+    <p:extLst>
+      <p:ext uri="{BB962C8B-B14F-4D97-AF65-F5344CB8AC3E}">
+        <p14:creationId xmlns:p14="http://schemas.microsoft.com/office/powerpoint/2010/main" val="2009872571"/>
+      </p:ext>
+    </p:extLst>
+  </p:cSld>
+  <p:clrMapOvr>
+    <a:masterClrMapping/>
+  </p:clrMapOvr>
+</p:notes>
+</file>
+
+<file path=ppt/notesSlides/notesSlide3.xml><?xml version="1.0" encoding="utf-8"?>
+<p:notes xmlns:a="http://schemas.openxmlformats.org/drawingml/2006/main" xmlns:r="http://schemas.openxmlformats.org/officeDocument/2006/relationships" xmlns:p="http://schemas.openxmlformats.org/presentationml/2006/main">
+  <p:cSld>
+    <p:spTree>
+      <p:nvGrpSpPr>
+        <p:cNvPr id="1" name=""/>
+        <p:cNvGrpSpPr/>
+        <p:nvPr/>
+      </p:nvGrpSpPr>
+      <p:grpSpPr>
+        <a:xfrm>
+          <a:off x="0" y="0"/>
+          <a:ext cx="0" cy="0"/>
+          <a:chOff x="0" y="0"/>
+          <a:chExt cx="0" cy="0"/>
+        </a:xfrm>
+      </p:grpSpPr>
+      <p:sp>
+        <p:nvSpPr>
+          <p:cNvPr id="2" name="Slide Image Placeholder 1"/>
+          <p:cNvSpPr>
+            <a:spLocks noGrp="1" noRot="1" noChangeAspect="1"/>
+          </p:cNvSpPr>
+          <p:nvPr>
+            <p:ph type="sldImg"/>
+          </p:nvPr>
+        </p:nvSpPr>
+        <p:spPr/>
+      </p:sp>
+      <p:sp>
+        <p:nvSpPr>
+          <p:cNvPr id="3" name="Notes Placeholder 2"/>
+          <p:cNvSpPr>
+            <a:spLocks noGrp="1"/>
+          </p:cNvSpPr>
+          <p:nvPr>
+            <p:ph type="body" idx="1"/>
+          </p:nvPr>
+        </p:nvSpPr>
+        <p:spPr/>
+        <p:txBody>
+          <a:bodyPr/>
+          <a:lstStyle/>
+          <a:p>
+            <a:r>
+              <a:rPr lang="en-US" dirty="0" smtClean="0"/>
+              <a:t>Utility portfolios usually involve multiple </a:t>
+            </a:r>
+            <a:r>
+              <a:rPr lang="en-US" dirty="0" smtClean="0"/>
+              <a:t>components,</a:t>
+            </a:r>
+            <a:r>
+              <a:rPr lang="en-US" baseline="0" dirty="0" smtClean="0"/>
+              <a:t> including </a:t>
+            </a:r>
+            <a:r>
+              <a:rPr lang="en-US" dirty="0" smtClean="0"/>
+              <a:t>thermal </a:t>
+            </a:r>
+            <a:r>
+              <a:rPr lang="en-US" dirty="0" smtClean="0"/>
+              <a:t>generation</a:t>
+            </a:r>
+            <a:r>
+              <a:rPr lang="en-US" baseline="0" dirty="0" smtClean="0"/>
+              <a:t> resources like coal or natural gas. </a:t>
+            </a:r>
+          </a:p>
+          <a:p>
+            <a:r>
+              <a:rPr lang="en-US" baseline="0" dirty="0" smtClean="0"/>
+              <a:t>They may own shares of wind, solar, or hydro generation. </a:t>
+            </a:r>
+            <a:r>
+              <a:rPr lang="en-US" baseline="0" dirty="0" smtClean="0"/>
+              <a:t>And </a:t>
+            </a:r>
+            <a:r>
+              <a:rPr lang="en-US" baseline="0" dirty="0" smtClean="0"/>
+              <a:t>Utilities usually serve loads. </a:t>
+            </a:r>
+          </a:p>
+          <a:p>
+            <a:endParaRPr lang="en-US" baseline="0" dirty="0" smtClean="0"/>
+          </a:p>
+          <a:p>
+            <a:r>
+              <a:rPr lang="en-US" baseline="0" dirty="0" smtClean="0"/>
+              <a:t>In order to capture the risk of the </a:t>
+            </a:r>
+            <a:r>
+              <a:rPr lang="en-US" baseline="0" dirty="0" smtClean="0"/>
+              <a:t>entire portfolio</a:t>
+            </a:r>
+            <a:r>
+              <a:rPr lang="en-US" baseline="0" dirty="0" smtClean="0"/>
+              <a:t>, I need to capture </a:t>
+            </a:r>
+            <a:r>
+              <a:rPr lang="en-US" baseline="0" dirty="0" err="1" smtClean="0"/>
+              <a:t>cashflow</a:t>
+            </a:r>
+            <a:r>
+              <a:rPr lang="en-US" baseline="0" dirty="0" smtClean="0"/>
+              <a:t> of all these components stochastically. </a:t>
+            </a:r>
+            <a:r>
+              <a:rPr lang="en-US" baseline="0" dirty="0" smtClean="0"/>
+              <a:t>And </a:t>
+            </a:r>
+            <a:r>
+              <a:rPr lang="en-US" baseline="0" dirty="0" smtClean="0"/>
+              <a:t>in order to capture cash </a:t>
+            </a:r>
+            <a:r>
+              <a:rPr lang="en-US" baseline="0" dirty="0" smtClean="0"/>
+              <a:t>flow, </a:t>
+            </a:r>
+            <a:r>
+              <a:rPr lang="en-US" baseline="0" dirty="0" smtClean="0"/>
+              <a:t>I need to run a Monte Carlo simulation for gas and power </a:t>
+            </a:r>
+            <a:r>
+              <a:rPr lang="en-US" baseline="0" dirty="0" smtClean="0"/>
+              <a:t>markets that feeds into </a:t>
+            </a:r>
+            <a:r>
+              <a:rPr lang="en-US" baseline="0" dirty="0" smtClean="0"/>
+              <a:t>generation dispatch models. </a:t>
+            </a:r>
+          </a:p>
+          <a:p>
+            <a:endParaRPr lang="en-US" baseline="0" dirty="0" smtClean="0"/>
+          </a:p>
+          <a:p>
+            <a:endParaRPr lang="en-US" dirty="0"/>
+          </a:p>
+        </p:txBody>
+      </p:sp>
+      <p:sp>
+        <p:nvSpPr>
+          <p:cNvPr id="4" name="Slide Number Placeholder 3"/>
+          <p:cNvSpPr>
+            <a:spLocks noGrp="1"/>
+          </p:cNvSpPr>
+          <p:nvPr>
+            <p:ph type="sldNum" sz="quarter" idx="10"/>
+          </p:nvPr>
+        </p:nvSpPr>
+        <p:spPr/>
+        <p:txBody>
+          <a:bodyPr/>
+          <a:lstStyle/>
+          <a:p>
+            <a:fld id="{3D00CCCD-C54A-4809-99DF-956DDAD2D776}" type="slidenum">
+              <a:rPr lang="en-US" smtClean="0"/>
+              <a:t>3</a:t>
+            </a:fld>
+            <a:endParaRPr lang="en-US"/>
+          </a:p>
+        </p:txBody>
+      </p:sp>
+    </p:spTree>
+    <p:extLst>
+      <p:ext uri="{BB962C8B-B14F-4D97-AF65-F5344CB8AC3E}">
+        <p14:creationId xmlns:p14="http://schemas.microsoft.com/office/powerpoint/2010/main" val="3876950471"/>
+      </p:ext>
+    </p:extLst>
+  </p:cSld>
+  <p:clrMapOvr>
+    <a:masterClrMapping/>
+  </p:clrMapOvr>
+</p:notes>
+</file>
+
+<file path=ppt/notesSlides/notesSlide4.xml><?xml version="1.0" encoding="utf-8"?>
+<p:notes xmlns:a="http://schemas.openxmlformats.org/drawingml/2006/main" xmlns:r="http://schemas.openxmlformats.org/officeDocument/2006/relationships" xmlns:p="http://schemas.openxmlformats.org/presentationml/2006/main">
+  <p:cSld>
+    <p:spTree>
+      <p:nvGrpSpPr>
+        <p:cNvPr id="1" name=""/>
+        <p:cNvGrpSpPr/>
+        <p:nvPr/>
+      </p:nvGrpSpPr>
+      <p:grpSpPr>
+        <a:xfrm>
+          <a:off x="0" y="0"/>
+          <a:ext cx="0" cy="0"/>
+          <a:chOff x="0" y="0"/>
+          <a:chExt cx="0" cy="0"/>
+        </a:xfrm>
+      </p:grpSpPr>
+      <p:sp>
+        <p:nvSpPr>
+          <p:cNvPr id="2" name="Slide Image Placeholder 1"/>
+          <p:cNvSpPr>
+            <a:spLocks noGrp="1" noRot="1" noChangeAspect="1"/>
+          </p:cNvSpPr>
+          <p:nvPr>
+            <p:ph type="sldImg"/>
+          </p:nvPr>
+        </p:nvSpPr>
+        <p:spPr/>
+      </p:sp>
+      <p:sp>
+        <p:nvSpPr>
+          <p:cNvPr id="3" name="Notes Placeholder 2"/>
+          <p:cNvSpPr>
+            <a:spLocks noGrp="1"/>
+          </p:cNvSpPr>
+          <p:nvPr>
+            <p:ph type="body" idx="1"/>
+          </p:nvPr>
+        </p:nvSpPr>
+        <p:spPr/>
+        <p:txBody>
+          <a:bodyPr/>
+          <a:lstStyle/>
+          <a:p>
+            <a:r>
+              <a:rPr lang="en-US" dirty="0" smtClean="0"/>
+              <a:t>However, all these time series exhibit different </a:t>
+            </a:r>
+            <a:r>
+              <a:rPr lang="en-US" dirty="0" smtClean="0"/>
+              <a:t>time series characteristics</a:t>
+            </a:r>
+            <a:r>
+              <a:rPr lang="en-US" dirty="0" smtClean="0"/>
+              <a:t>.</a:t>
+            </a:r>
+            <a:r>
+              <a:rPr lang="en-US" baseline="0" dirty="0" smtClean="0"/>
+              <a:t> So, </a:t>
+            </a:r>
+            <a:r>
+              <a:rPr lang="en-US" baseline="0" dirty="0" smtClean="0"/>
+              <a:t>as you see in the diagram, I </a:t>
+            </a:r>
+            <a:r>
+              <a:rPr lang="en-US" baseline="0" dirty="0" smtClean="0"/>
+              <a:t>employ multiple different methodologies to capture </a:t>
+            </a:r>
+            <a:r>
+              <a:rPr lang="en-US" baseline="0" dirty="0" smtClean="0"/>
+              <a:t>this entire </a:t>
+            </a:r>
+            <a:r>
+              <a:rPr lang="en-US" baseline="0" dirty="0" smtClean="0"/>
+              <a:t>system. </a:t>
+            </a:r>
+          </a:p>
+          <a:p>
+            <a:endParaRPr lang="en-US" baseline="0" dirty="0" smtClean="0"/>
+          </a:p>
+          <a:p>
+            <a:r>
+              <a:rPr lang="en-US" baseline="0" dirty="0" smtClean="0"/>
+              <a:t>The one I’d like to </a:t>
+            </a:r>
+            <a:r>
+              <a:rPr lang="en-US" baseline="0" dirty="0" smtClean="0"/>
+              <a:t>particularly focus on today </a:t>
+            </a:r>
+            <a:r>
+              <a:rPr lang="en-US" baseline="0" dirty="0" smtClean="0"/>
+              <a:t>is the middle one, generation of power </a:t>
+            </a:r>
+            <a:r>
+              <a:rPr lang="en-US" baseline="0" dirty="0" smtClean="0"/>
+              <a:t>prices, using what I call Bunched Random Forest. Power prices are non-linear functions </a:t>
+            </a:r>
+            <a:r>
+              <a:rPr lang="en-US" baseline="0" dirty="0" smtClean="0"/>
+              <a:t>of other stochastic variables like gas and loads, and it is fed into the thermal dispatch simulation </a:t>
+            </a:r>
+            <a:r>
+              <a:rPr lang="en-US" baseline="0" dirty="0" smtClean="0"/>
+              <a:t>models. This structure makes it important that I capture all power price time series characteristics. </a:t>
+            </a:r>
+            <a:endParaRPr lang="en-US" baseline="0" dirty="0" smtClean="0"/>
+          </a:p>
+        </p:txBody>
+      </p:sp>
+      <p:sp>
+        <p:nvSpPr>
+          <p:cNvPr id="4" name="Slide Number Placeholder 3"/>
+          <p:cNvSpPr>
+            <a:spLocks noGrp="1"/>
+          </p:cNvSpPr>
+          <p:nvPr>
+            <p:ph type="sldNum" sz="quarter" idx="10"/>
+          </p:nvPr>
+        </p:nvSpPr>
+        <p:spPr/>
+        <p:txBody>
+          <a:bodyPr/>
+          <a:lstStyle/>
+          <a:p>
+            <a:fld id="{3D00CCCD-C54A-4809-99DF-956DDAD2D776}" type="slidenum">
+              <a:rPr lang="en-US" smtClean="0"/>
+              <a:t>4</a:t>
+            </a:fld>
+            <a:endParaRPr lang="en-US"/>
+          </a:p>
+        </p:txBody>
+      </p:sp>
+    </p:spTree>
+    <p:extLst>
+      <p:ext uri="{BB962C8B-B14F-4D97-AF65-F5344CB8AC3E}">
+        <p14:creationId xmlns:p14="http://schemas.microsoft.com/office/powerpoint/2010/main" val="677684309"/>
+      </p:ext>
+    </p:extLst>
+  </p:cSld>
+  <p:clrMapOvr>
+    <a:masterClrMapping/>
+  </p:clrMapOvr>
+</p:notes>
+</file>
+
+<file path=ppt/notesSlides/notesSlide5.xml><?xml version="1.0" encoding="utf-8"?>
+<p:notes xmlns:a="http://schemas.openxmlformats.org/drawingml/2006/main" xmlns:r="http://schemas.openxmlformats.org/officeDocument/2006/relationships" xmlns:p="http://schemas.openxmlformats.org/presentationml/2006/main">
+  <p:cSld>
+    <p:spTree>
+      <p:nvGrpSpPr>
+        <p:cNvPr id="1" name=""/>
+        <p:cNvGrpSpPr/>
+        <p:nvPr/>
+      </p:nvGrpSpPr>
+      <p:grpSpPr>
+        <a:xfrm>
+          <a:off x="0" y="0"/>
+          <a:ext cx="0" cy="0"/>
+          <a:chOff x="0" y="0"/>
+          <a:chExt cx="0" cy="0"/>
+        </a:xfrm>
+      </p:grpSpPr>
+      <p:sp>
+        <p:nvSpPr>
+          <p:cNvPr id="2" name="Slide Image Placeholder 1"/>
+          <p:cNvSpPr>
+            <a:spLocks noGrp="1" noRot="1" noChangeAspect="1"/>
+          </p:cNvSpPr>
+          <p:nvPr>
+            <p:ph type="sldImg"/>
+          </p:nvPr>
+        </p:nvSpPr>
+        <p:spPr/>
+      </p:sp>
+      <p:sp>
+        <p:nvSpPr>
+          <p:cNvPr id="3" name="Notes Placeholder 2"/>
+          <p:cNvSpPr>
+            <a:spLocks noGrp="1"/>
+          </p:cNvSpPr>
+          <p:nvPr>
+            <p:ph type="body" idx="1"/>
+          </p:nvPr>
+        </p:nvSpPr>
+        <p:spPr/>
+        <p:txBody>
+          <a:bodyPr/>
+          <a:lstStyle/>
+          <a:p>
+            <a:r>
+              <a:rPr lang="en-US" dirty="0" smtClean="0"/>
+              <a:t>The </a:t>
+            </a:r>
+            <a:r>
+              <a:rPr lang="en-US" baseline="0" dirty="0" smtClean="0"/>
+              <a:t>characteristics includes autocorrelation</a:t>
+            </a:r>
+            <a:r>
+              <a:rPr lang="en-US" baseline="0" dirty="0" smtClean="0"/>
+              <a:t>, seasonal and weekly shapes. </a:t>
+            </a:r>
+            <a:r>
+              <a:rPr lang="en-US" baseline="0" dirty="0" smtClean="0"/>
+              <a:t>It’s heteroscedastic </a:t>
+            </a:r>
+            <a:r>
+              <a:rPr lang="en-US" baseline="0" dirty="0" smtClean="0"/>
+              <a:t>and in fact volatility tends to have seasonal and weekly shapes themselves. We need to capture multi-variate cross correlation and </a:t>
+            </a:r>
+            <a:r>
+              <a:rPr lang="en-US" baseline="0" dirty="0" smtClean="0"/>
+              <a:t>non-linear </a:t>
+            </a:r>
+            <a:r>
+              <a:rPr lang="en-US" baseline="0" dirty="0" smtClean="0"/>
+              <a:t>dependency </a:t>
+            </a:r>
+            <a:r>
+              <a:rPr lang="en-US" baseline="0" dirty="0" smtClean="0"/>
+              <a:t>onto </a:t>
+            </a:r>
+            <a:r>
+              <a:rPr lang="en-US" baseline="0" dirty="0" smtClean="0"/>
+              <a:t>other variables. Distribution tends to be non-normal and usually includes fat tails, extreme peaks and some negative values. While </a:t>
+            </a:r>
+            <a:r>
+              <a:rPr lang="en-US" baseline="0" dirty="0" smtClean="0"/>
+              <a:t>achieving </a:t>
+            </a:r>
+            <a:r>
+              <a:rPr lang="en-US" baseline="0" dirty="0" smtClean="0"/>
+              <a:t>all these, we’d like to make sure that result is consistent with market </a:t>
+            </a:r>
+            <a:r>
+              <a:rPr lang="en-US" baseline="0" dirty="0" smtClean="0"/>
+              <a:t>expectations in different time granularity. </a:t>
+            </a:r>
+            <a:endParaRPr lang="en-US" dirty="0"/>
+          </a:p>
+        </p:txBody>
+      </p:sp>
+      <p:sp>
+        <p:nvSpPr>
+          <p:cNvPr id="4" name="Slide Number Placeholder 3"/>
+          <p:cNvSpPr>
+            <a:spLocks noGrp="1"/>
+          </p:cNvSpPr>
+          <p:nvPr>
+            <p:ph type="sldNum" sz="quarter" idx="10"/>
+          </p:nvPr>
+        </p:nvSpPr>
+        <p:spPr/>
+        <p:txBody>
+          <a:bodyPr/>
+          <a:lstStyle/>
+          <a:p>
+            <a:fld id="{3D00CCCD-C54A-4809-99DF-956DDAD2D776}" type="slidenum">
+              <a:rPr lang="en-US" smtClean="0"/>
+              <a:t>5</a:t>
+            </a:fld>
+            <a:endParaRPr lang="en-US"/>
+          </a:p>
+        </p:txBody>
+      </p:sp>
+    </p:spTree>
+    <p:extLst>
+      <p:ext uri="{BB962C8B-B14F-4D97-AF65-F5344CB8AC3E}">
+        <p14:creationId xmlns:p14="http://schemas.microsoft.com/office/powerpoint/2010/main" val="4134278591"/>
+      </p:ext>
+    </p:extLst>
+  </p:cSld>
+  <p:clrMapOvr>
+    <a:masterClrMapping/>
+  </p:clrMapOvr>
+</p:notes>
+</file>
+
+<file path=ppt/notesSlides/notesSlide6.xml><?xml version="1.0" encoding="utf-8"?>
+<p:notes xmlns:a="http://schemas.openxmlformats.org/drawingml/2006/main" xmlns:r="http://schemas.openxmlformats.org/officeDocument/2006/relationships" xmlns:p="http://schemas.openxmlformats.org/presentationml/2006/main">
+  <p:cSld>
+    <p:spTree>
+      <p:nvGrpSpPr>
+        <p:cNvPr id="1" name=""/>
+        <p:cNvGrpSpPr/>
+        <p:nvPr/>
+      </p:nvGrpSpPr>
+      <p:grpSpPr>
+        <a:xfrm>
+          <a:off x="0" y="0"/>
+          <a:ext cx="0" cy="0"/>
+          <a:chOff x="0" y="0"/>
+          <a:chExt cx="0" cy="0"/>
+        </a:xfrm>
+      </p:grpSpPr>
+      <p:sp>
+        <p:nvSpPr>
+          <p:cNvPr id="2" name="Slide Image Placeholder 1"/>
+          <p:cNvSpPr>
+            <a:spLocks noGrp="1" noRot="1" noChangeAspect="1"/>
+          </p:cNvSpPr>
+          <p:nvPr>
+            <p:ph type="sldImg"/>
+          </p:nvPr>
+        </p:nvSpPr>
+        <p:spPr/>
+      </p:sp>
+      <p:sp>
+        <p:nvSpPr>
+          <p:cNvPr id="3" name="Notes Placeholder 2"/>
+          <p:cNvSpPr>
+            <a:spLocks noGrp="1"/>
+          </p:cNvSpPr>
+          <p:nvPr>
+            <p:ph type="body" idx="1"/>
+          </p:nvPr>
+        </p:nvSpPr>
+        <p:spPr/>
+        <p:txBody>
+          <a:bodyPr/>
+          <a:lstStyle/>
+          <a:p>
+            <a:r>
+              <a:rPr lang="en-US" dirty="0" smtClean="0"/>
+              <a:t>Traditional Monte Carlo methods are</a:t>
+            </a:r>
+            <a:r>
+              <a:rPr lang="en-US" baseline="0" dirty="0" smtClean="0"/>
+              <a:t> usually in a form of a predictive component, f, plus some error component. Both predictive and error components can be function of autoregressive terms and exogenous variables, but in my experience, getting the error terms correctly is an involved process, and that’s when I started experimenting with Random Forest models. </a:t>
+            </a:r>
+          </a:p>
+          <a:p>
+            <a:endParaRPr lang="en-US" baseline="0" dirty="0" smtClean="0"/>
+          </a:p>
+          <a:p>
+            <a:r>
+              <a:rPr lang="en-US" baseline="0" dirty="0" smtClean="0"/>
+              <a:t>Random Forest model aggregates a large number of decision tree outputs in order to achieve a stable accurate forecast value. However it moderates values too much to capture correct volatility level, if I had applied Random Forest to each Monte Carlo iteration. </a:t>
+            </a:r>
+          </a:p>
+          <a:p>
+            <a:endParaRPr lang="en-US" baseline="0" dirty="0" smtClean="0"/>
+          </a:p>
+          <a:p>
+            <a:r>
+              <a:rPr lang="en-US" baseline="0" dirty="0" smtClean="0"/>
+              <a:t>On the other hand, each tree presents too little predictability and generated too high of a volatility, if I had applied each tree output to each iteration. </a:t>
+            </a:r>
+          </a:p>
+          <a:p>
+            <a:endParaRPr lang="en-US" baseline="0" dirty="0" smtClean="0"/>
+          </a:p>
+          <a:p>
+            <a:r>
+              <a:rPr lang="en-US" baseline="0" dirty="0" smtClean="0"/>
+              <a:t>So my natural answer was then to aggregate a selected number of trees for each iteration, so that I can achieve correct volatility level for each Monte Carlo iteration while also achieving similar accuracy as the whole Monte Carlo simulation as original Random Forest model. The right bottom chart shows that as I aggregate more number of trees, resultant volatility comes down. In this particular case, I’d like to aggregate 3 trees for each iteration in order to achieve similar volatility to historical level. </a:t>
+            </a:r>
+          </a:p>
+          <a:p>
+            <a:endParaRPr lang="en-US" baseline="0" dirty="0" smtClean="0"/>
+          </a:p>
+          <a:p>
+            <a:r>
+              <a:rPr lang="en-US" baseline="0" dirty="0" smtClean="0"/>
+              <a:t>You can easily implement this logic using the existing CRAN package “</a:t>
+            </a:r>
+            <a:r>
+              <a:rPr lang="en-US" baseline="0" dirty="0" err="1" smtClean="0"/>
+              <a:t>randomForest</a:t>
+            </a:r>
+            <a:r>
+              <a:rPr lang="en-US" baseline="0" dirty="0" smtClean="0"/>
+              <a:t>” and use individual tree outputs.  </a:t>
+            </a:r>
+          </a:p>
+        </p:txBody>
+      </p:sp>
+      <p:sp>
+        <p:nvSpPr>
+          <p:cNvPr id="4" name="Slide Number Placeholder 3"/>
+          <p:cNvSpPr>
+            <a:spLocks noGrp="1"/>
+          </p:cNvSpPr>
+          <p:nvPr>
+            <p:ph type="sldNum" sz="quarter" idx="10"/>
+          </p:nvPr>
+        </p:nvSpPr>
+        <p:spPr/>
+        <p:txBody>
+          <a:bodyPr/>
+          <a:lstStyle/>
+          <a:p>
+            <a:fld id="{3D00CCCD-C54A-4809-99DF-956DDAD2D776}" type="slidenum">
+              <a:rPr lang="en-US" smtClean="0"/>
+              <a:t>6</a:t>
+            </a:fld>
+            <a:endParaRPr lang="en-US"/>
+          </a:p>
+        </p:txBody>
+      </p:sp>
+    </p:spTree>
+    <p:extLst>
+      <p:ext uri="{BB962C8B-B14F-4D97-AF65-F5344CB8AC3E}">
+        <p14:creationId xmlns:p14="http://schemas.microsoft.com/office/powerpoint/2010/main" val="50523236"/>
+      </p:ext>
+    </p:extLst>
+  </p:cSld>
+  <p:clrMapOvr>
+    <a:masterClrMapping/>
+  </p:clrMapOvr>
+</p:notes>
+</file>
+
+<file path=ppt/notesSlides/notesSlide7.xml><?xml version="1.0" encoding="utf-8"?>
+<p:notes xmlns:a="http://schemas.openxmlformats.org/drawingml/2006/main" xmlns:r="http://schemas.openxmlformats.org/officeDocument/2006/relationships" xmlns:p="http://schemas.openxmlformats.org/presentationml/2006/main">
+  <p:cSld>
+    <p:spTree>
+      <p:nvGrpSpPr>
+        <p:cNvPr id="1" name=""/>
+        <p:cNvGrpSpPr/>
+        <p:nvPr/>
+      </p:nvGrpSpPr>
+      <p:grpSpPr>
+        <a:xfrm>
+          <a:off x="0" y="0"/>
+          <a:ext cx="0" cy="0"/>
+          <a:chOff x="0" y="0"/>
+          <a:chExt cx="0" cy="0"/>
+        </a:xfrm>
+      </p:grpSpPr>
+      <p:sp>
+        <p:nvSpPr>
+          <p:cNvPr id="2" name="Slide Image Placeholder 1"/>
+          <p:cNvSpPr>
+            <a:spLocks noGrp="1" noRot="1" noChangeAspect="1"/>
+          </p:cNvSpPr>
+          <p:nvPr>
+            <p:ph type="sldImg"/>
+          </p:nvPr>
+        </p:nvSpPr>
+        <p:spPr/>
+      </p:sp>
+      <p:sp>
+        <p:nvSpPr>
+          <p:cNvPr id="3" name="Notes Placeholder 2"/>
+          <p:cNvSpPr>
+            <a:spLocks noGrp="1"/>
+          </p:cNvSpPr>
+          <p:nvPr>
+            <p:ph type="body" idx="1"/>
+          </p:nvPr>
+        </p:nvSpPr>
+        <p:spPr/>
+        <p:txBody>
+          <a:bodyPr/>
+          <a:lstStyle/>
+          <a:p>
+            <a:r>
+              <a:rPr lang="en-US" dirty="0" smtClean="0"/>
+              <a:t>By</a:t>
+            </a:r>
+            <a:r>
+              <a:rPr lang="en-US" baseline="0" dirty="0" smtClean="0"/>
+              <a:t> deploying Bunched Random Forest, I could reasonably achieve all characteristics that I had mentioned.   </a:t>
+            </a:r>
+            <a:endParaRPr lang="en-US" dirty="0"/>
+          </a:p>
+        </p:txBody>
+      </p:sp>
+      <p:sp>
+        <p:nvSpPr>
+          <p:cNvPr id="4" name="Slide Number Placeholder 3"/>
+          <p:cNvSpPr>
+            <a:spLocks noGrp="1"/>
+          </p:cNvSpPr>
+          <p:nvPr>
+            <p:ph type="sldNum" sz="quarter" idx="10"/>
+          </p:nvPr>
+        </p:nvSpPr>
+        <p:spPr/>
+        <p:txBody>
+          <a:bodyPr/>
+          <a:lstStyle/>
+          <a:p>
+            <a:fld id="{3D00CCCD-C54A-4809-99DF-956DDAD2D776}" type="slidenum">
+              <a:rPr lang="en-US" smtClean="0"/>
+              <a:t>7</a:t>
+            </a:fld>
+            <a:endParaRPr lang="en-US"/>
+          </a:p>
+        </p:txBody>
+      </p:sp>
+    </p:spTree>
+    <p:extLst>
+      <p:ext uri="{BB962C8B-B14F-4D97-AF65-F5344CB8AC3E}">
+        <p14:creationId xmlns:p14="http://schemas.microsoft.com/office/powerpoint/2010/main" val="3419263997"/>
+      </p:ext>
+    </p:extLst>
+  </p:cSld>
+  <p:clrMapOvr>
+    <a:masterClrMapping/>
+  </p:clrMapOvr>
+</p:notes>
+</file>
+
+<file path=ppt/notesSlides/notesSlide8.xml><?xml version="1.0" encoding="utf-8"?>
+<p:notes xmlns:a="http://schemas.openxmlformats.org/drawingml/2006/main" xmlns:r="http://schemas.openxmlformats.org/officeDocument/2006/relationships" xmlns:p="http://schemas.openxmlformats.org/presentationml/2006/main">
+  <p:cSld>
+    <p:spTree>
+      <p:nvGrpSpPr>
+        <p:cNvPr id="1" name=""/>
+        <p:cNvGrpSpPr/>
+        <p:nvPr/>
+      </p:nvGrpSpPr>
+      <p:grpSpPr>
+        <a:xfrm>
+          <a:off x="0" y="0"/>
+          <a:ext cx="0" cy="0"/>
+          <a:chOff x="0" y="0"/>
+          <a:chExt cx="0" cy="0"/>
+        </a:xfrm>
+      </p:grpSpPr>
+      <p:sp>
+        <p:nvSpPr>
+          <p:cNvPr id="2" name="Slide Image Placeholder 1"/>
+          <p:cNvSpPr>
+            <a:spLocks noGrp="1" noRot="1" noChangeAspect="1"/>
+          </p:cNvSpPr>
+          <p:nvPr>
+            <p:ph type="sldImg"/>
+          </p:nvPr>
+        </p:nvSpPr>
+        <p:spPr/>
+      </p:sp>
+      <p:sp>
+        <p:nvSpPr>
+          <p:cNvPr id="3" name="Notes Placeholder 2"/>
+          <p:cNvSpPr>
+            <a:spLocks noGrp="1"/>
+          </p:cNvSpPr>
+          <p:nvPr>
+            <p:ph type="body" idx="1"/>
+          </p:nvPr>
+        </p:nvSpPr>
+        <p:spPr/>
+        <p:txBody>
+          <a:bodyPr/>
+          <a:lstStyle/>
+          <a:p>
+            <a:r>
+              <a:rPr lang="en-US" dirty="0" smtClean="0"/>
+              <a:t>One last comments on scoring before</a:t>
+            </a:r>
+            <a:r>
+              <a:rPr lang="en-US" baseline="0" dirty="0" smtClean="0"/>
+              <a:t> I end here. I generally use pinball-loss function for stochastic forecast scoring. However, pinball or any other scoring is only one measure of the model performance and when I have so many different characteristics that I have to capture, no one score is comprehensive enough. So I rely on visual inspection with heuristic reasoning for validation. That said, the resultant power price series are fed into resource dispatch model and dispatch model is sensitive to many of the power price characteristics. So I’ve found that calculating pinball-loss score on resource outputs instead the power price series is a very effective measure of the model performance.    </a:t>
+            </a:r>
+            <a:endParaRPr lang="en-US" dirty="0"/>
+          </a:p>
+        </p:txBody>
+      </p:sp>
+      <p:sp>
+        <p:nvSpPr>
+          <p:cNvPr id="4" name="Slide Number Placeholder 3"/>
+          <p:cNvSpPr>
+            <a:spLocks noGrp="1"/>
+          </p:cNvSpPr>
+          <p:nvPr>
+            <p:ph type="sldNum" sz="quarter" idx="10"/>
+          </p:nvPr>
+        </p:nvSpPr>
+        <p:spPr/>
+        <p:txBody>
+          <a:bodyPr/>
+          <a:lstStyle/>
+          <a:p>
+            <a:fld id="{3D00CCCD-C54A-4809-99DF-956DDAD2D776}" type="slidenum">
+              <a:rPr lang="en-US" smtClean="0"/>
+              <a:t>8</a:t>
+            </a:fld>
+            <a:endParaRPr lang="en-US"/>
+          </a:p>
+        </p:txBody>
+      </p:sp>
+    </p:spTree>
+    <p:extLst>
+      <p:ext uri="{BB962C8B-B14F-4D97-AF65-F5344CB8AC3E}">
+        <p14:creationId xmlns:p14="http://schemas.microsoft.com/office/powerpoint/2010/main" val="1035563361"/>
+      </p:ext>
+    </p:extLst>
+  </p:cSld>
+  <p:clrMapOvr>
+    <a:masterClrMapping/>
+  </p:clrMapOvr>
+</p:notes>
+</file>
+
+<file path=ppt/notesSlides/notesSlide9.xml><?xml version="1.0" encoding="utf-8"?>
+<p:notes xmlns:a="http://schemas.openxmlformats.org/drawingml/2006/main" xmlns:r="http://schemas.openxmlformats.org/officeDocument/2006/relationships" xmlns:p="http://schemas.openxmlformats.org/presentationml/2006/main">
+  <p:cSld>
+    <p:spTree>
+      <p:nvGrpSpPr>
+        <p:cNvPr id="1" name=""/>
+        <p:cNvGrpSpPr/>
+        <p:nvPr/>
+      </p:nvGrpSpPr>
+      <p:grpSpPr>
+        <a:xfrm>
+          <a:off x="0" y="0"/>
+          <a:ext cx="0" cy="0"/>
+          <a:chOff x="0" y="0"/>
+          <a:chExt cx="0" cy="0"/>
+        </a:xfrm>
+      </p:grpSpPr>
+      <p:sp>
+        <p:nvSpPr>
+          <p:cNvPr id="2" name="Slide Image Placeholder 1"/>
+          <p:cNvSpPr>
+            <a:spLocks noGrp="1" noRot="1" noChangeAspect="1"/>
+          </p:cNvSpPr>
+          <p:nvPr>
+            <p:ph type="sldImg"/>
+          </p:nvPr>
+        </p:nvSpPr>
+        <p:spPr/>
+      </p:sp>
+      <p:sp>
+        <p:nvSpPr>
+          <p:cNvPr id="3" name="Notes Placeholder 2"/>
+          <p:cNvSpPr>
+            <a:spLocks noGrp="1"/>
+          </p:cNvSpPr>
+          <p:nvPr>
+            <p:ph type="body" idx="1"/>
+          </p:nvPr>
+        </p:nvSpPr>
+        <p:spPr/>
+        <p:txBody>
+          <a:bodyPr/>
+          <a:lstStyle/>
+          <a:p>
+            <a:r>
+              <a:rPr lang="en-US" dirty="0" smtClean="0"/>
+              <a:t>That’s it. Our </a:t>
+            </a:r>
+            <a:r>
+              <a:rPr lang="en-US" dirty="0" err="1" smtClean="0"/>
+              <a:t>seattle</a:t>
+            </a:r>
+            <a:r>
+              <a:rPr lang="en-US" dirty="0" smtClean="0"/>
+              <a:t> office is looking for an intern. Thank you!</a:t>
+            </a:r>
+            <a:r>
+              <a:rPr lang="en-US" baseline="0" dirty="0" smtClean="0"/>
+              <a:t> </a:t>
+            </a:r>
+            <a:endParaRPr lang="en-US" dirty="0"/>
+          </a:p>
+        </p:txBody>
+      </p:sp>
+      <p:sp>
+        <p:nvSpPr>
+          <p:cNvPr id="4" name="Slide Number Placeholder 3"/>
+          <p:cNvSpPr>
+            <a:spLocks noGrp="1"/>
+          </p:cNvSpPr>
+          <p:nvPr>
+            <p:ph type="sldNum" sz="quarter" idx="10"/>
+          </p:nvPr>
+        </p:nvSpPr>
+        <p:spPr/>
+        <p:txBody>
+          <a:bodyPr/>
+          <a:lstStyle/>
+          <a:p>
+            <a:fld id="{3D00CCCD-C54A-4809-99DF-956DDAD2D776}" type="slidenum">
+              <a:rPr lang="en-US" smtClean="0"/>
+              <a:t>9</a:t>
+            </a:fld>
+            <a:endParaRPr lang="en-US"/>
+          </a:p>
+        </p:txBody>
+      </p:sp>
+    </p:spTree>
+    <p:extLst>
+      <p:ext uri="{BB962C8B-B14F-4D97-AF65-F5344CB8AC3E}">
+        <p14:creationId xmlns:p14="http://schemas.microsoft.com/office/powerpoint/2010/main" val="2471520420"/>
+      </p:ext>
+    </p:extLst>
+  </p:cSld>
+  <p:clrMapOvr>
+    <a:masterClrMapping/>
+  </p:clrMapOvr>
+</p:notes>
+</file>
+
 <file path=ppt/slideLayouts/slideLayout1.xml><?xml version="1.0" encoding="utf-8"?>
 <p:sldLayout xmlns:a="http://schemas.openxmlformats.org/drawingml/2006/main" xmlns:r="http://schemas.openxmlformats.org/officeDocument/2006/relationships" xmlns:p="http://schemas.openxmlformats.org/presentationml/2006/main" type="title" preserve="1">
   <p:cSld name="Title Slide">
@@ -677,7 +1904,7 @@
           <a:p>
             <a:fld id="{A17B4B1F-9ADE-4FEE-88FC-832835B49A13}" type="datetime4">
               <a:rPr lang="en-US" smtClean="0"/>
-              <a:t>May 3, 2017</a:t>
+              <a:t>May 16, 2017</a:t>
             </a:fld>
             <a:endParaRPr lang="en-US" dirty="0"/>
           </a:p>
@@ -1075,7 +2302,7 @@
           <a:p>
             <a:fld id="{CAEF89AF-97FF-41FD-A810-843DAB910B39}" type="datetime4">
               <a:rPr lang="en-US" smtClean="0"/>
-              <a:t>May 3, 2017</a:t>
+              <a:t>May 16, 2017</a:t>
             </a:fld>
             <a:endParaRPr lang="en-US" dirty="0"/>
           </a:p>
@@ -1420,7 +2647,7 @@
           <a:p>
             <a:fld id="{58C37697-90A4-4007-8C23-BAAA588B27B3}" type="datetime4">
               <a:rPr lang="en-US" smtClean="0"/>
-              <a:t>May 3, 2017</a:t>
+              <a:t>May 16, 2017</a:t>
             </a:fld>
             <a:endParaRPr lang="en-US" dirty="0"/>
           </a:p>
@@ -1806,7 +3033,7 @@
           <a:p>
             <a:fld id="{C526132D-74A4-457B-9FB6-E79DB3FA6555}" type="datetime4">
               <a:rPr lang="en-US" smtClean="0"/>
-              <a:t>May 3, 2017</a:t>
+              <a:t>May 16, 2017</a:t>
             </a:fld>
             <a:endParaRPr lang="en-US" dirty="0"/>
           </a:p>
@@ -1941,7 +3168,7 @@
           <a:p>
             <a:fld id="{4D013C2E-F697-4ACF-9974-2B7ED63A336A}" type="datetime4">
               <a:rPr lang="en-US" smtClean="0"/>
-              <a:t>May 3, 2017</a:t>
+              <a:t>May 16, 2017</a:t>
             </a:fld>
             <a:endParaRPr lang="en-US" dirty="0"/>
           </a:p>
@@ -2186,7 +3413,7 @@
           <a:p>
             <a:fld id="{D4335327-653A-45BD-A8A4-D16B8D9BB63F}" type="datetime4">
               <a:rPr lang="en-US" smtClean="0"/>
-              <a:t>May 3, 2017</a:t>
+              <a:t>May 16, 2017</a:t>
             </a:fld>
             <a:endParaRPr lang="en-US" dirty="0"/>
           </a:p>
@@ -2597,7 +3824,7 @@
           <a:p>
             <a:fld id="{CAEF89AF-97FF-41FD-A810-843DAB910B39}" type="datetime4">
               <a:rPr lang="en-US" smtClean="0"/>
-              <a:t>May 3, 2017</a:t>
+              <a:t>May 16, 2017</a:t>
             </a:fld>
             <a:endParaRPr lang="en-US" dirty="0"/>
           </a:p>
@@ -2612,7 +3839,7 @@
           <p:nvPr/>
         </p:nvPicPr>
         <p:blipFill>
-          <a:blip r:embed="rId2"/>
+          <a:blip r:embed="rId3"/>
           <a:stretch>
             <a:fillRect/>
           </a:stretch>
@@ -2682,7 +3909,7 @@
           <p:nvPr/>
         </p:nvPicPr>
         <p:blipFill>
-          <a:blip r:embed="rId3">
+          <a:blip r:embed="rId4">
             <a:extLst>
               <a:ext uri="{28A0092B-C50C-407E-A947-70E740481C1C}">
                 <a14:useLocalDpi xmlns:a14="http://schemas.microsoft.com/office/drawing/2010/main" val="0"/>
@@ -2903,7 +4130,7 @@
           <p:nvPr/>
         </p:nvPicPr>
         <p:blipFill rotWithShape="1">
-          <a:blip r:embed="rId2"/>
+          <a:blip r:embed="rId3"/>
           <a:srcRect r="10010"/>
           <a:stretch/>
         </p:blipFill>
@@ -3095,7 +4322,7 @@
           <a:p>
             <a:fld id="{4D013C2E-F697-4ACF-9974-2B7ED63A336A}" type="datetime4">
               <a:rPr lang="en-US" smtClean="0"/>
-              <a:t>May 3, 2017</a:t>
+              <a:t>May 16, 2017</a:t>
             </a:fld>
             <a:endParaRPr lang="en-US" dirty="0"/>
           </a:p>
@@ -3110,11 +4337,11 @@
           <p:nvPr/>
         </p:nvPicPr>
         <p:blipFill>
-          <a:blip r:embed="rId3">
+          <a:blip r:embed="rId4">
             <a:extLst>
               <a:ext uri="{BEBA8EAE-BF5A-486C-A8C5-ECC9F3942E4B}">
                 <a14:imgProps xmlns:a14="http://schemas.microsoft.com/office/drawing/2010/main">
-                  <a14:imgLayer r:embed="rId4">
+                  <a14:imgLayer r:embed="rId5">
                     <a14:imgEffect>
                       <a14:saturation sat="66000"/>
                     </a14:imgEffect>
@@ -3230,7 +4457,7 @@
           <a:p>
             <a:fld id="{CAEF89AF-97FF-41FD-A810-843DAB910B39}" type="datetime4">
               <a:rPr lang="en-US" smtClean="0"/>
-              <a:t>May 3, 2017</a:t>
+              <a:t>May 16, 2017</a:t>
             </a:fld>
             <a:endParaRPr lang="en-US" dirty="0"/>
           </a:p>
@@ -5803,7 +7030,7 @@
           <p:nvPr/>
         </p:nvPicPr>
         <p:blipFill>
-          <a:blip r:embed="rId2" cstate="print">
+          <a:blip r:embed="rId3" cstate="print">
             <a:duotone>
               <a:schemeClr val="accent2">
                 <a:shade val="45000"/>
@@ -6290,7 +7517,7 @@
           <a:p>
             <a:fld id="{CAEF89AF-97FF-41FD-A810-843DAB910B39}" type="datetime4">
               <a:rPr lang="en-US" smtClean="0"/>
-              <a:t>May 3, 2017</a:t>
+              <a:t>May 16, 2017</a:t>
             </a:fld>
             <a:endParaRPr lang="en-US" dirty="0"/>
           </a:p>
@@ -8863,7 +10090,7 @@
           <p:nvPr/>
         </p:nvPicPr>
         <p:blipFill>
-          <a:blip r:embed="rId2" cstate="print">
+          <a:blip r:embed="rId3" cstate="print">
             <a:duotone>
               <a:schemeClr val="accent2">
                 <a:shade val="45000"/>
@@ -10154,7 +11381,7 @@
           <a:p>
             <a:fld id="{CAEF89AF-97FF-41FD-A810-843DAB910B39}" type="datetime4">
               <a:rPr lang="en-US" smtClean="0"/>
-              <a:t>May 3, 2017</a:t>
+              <a:t>May 16, 2017</a:t>
             </a:fld>
             <a:endParaRPr lang="en-US" dirty="0"/>
           </a:p>
@@ -10169,7 +11396,7 @@
           <p:nvPr/>
         </p:nvPicPr>
         <p:blipFill>
-          <a:blip r:embed="rId2"/>
+          <a:blip r:embed="rId3"/>
           <a:stretch>
             <a:fillRect/>
           </a:stretch>
@@ -10432,15 +11659,18 @@
               <a:p>
                 <a:pPr lvl="1"/>
                 <a:r>
-                  <a:rPr lang="en-US" sz="1800" dirty="0" err="1" smtClean="0"/>
-                  <a:t>Implimentation</a:t>
+                  <a:rPr lang="en-US" sz="1800" dirty="0" smtClean="0"/>
+                  <a:t>Implementation</a:t>
                 </a:r>
-                <a:endParaRPr lang="en-US" sz="1800" dirty="0" smtClean="0"/>
               </a:p>
               <a:p>
                 <a:pPr lvl="2"/>
                 <a:r>
-                  <a:rPr lang="en-US" sz="1400" dirty="0" err="1"/>
+                  <a:rPr lang="en-US" sz="1400" dirty="0" err="1">
+                    <a:solidFill>
+                      <a:srgbClr val="C00000"/>
+                    </a:solidFill>
+                  </a:rPr>
                   <a:t>randomForest</a:t>
                 </a:r>
                 <a:r>
@@ -10490,7 +11720,7 @@
             </p:nvSpPr>
             <p:spPr>
               <a:blipFill>
-                <a:blip r:embed="rId2"/>
+                <a:blip r:embed="rId3"/>
                 <a:stretch>
                   <a:fillRect l="-667" t="-809" r="-593"/>
                 </a:stretch>
@@ -10551,7 +11781,7 @@
           <a:p>
             <a:fld id="{CAEF89AF-97FF-41FD-A810-843DAB910B39}" type="datetime4">
               <a:rPr lang="en-US" smtClean="0"/>
-              <a:t>May 3, 2017</a:t>
+              <a:t>May 16, 2017</a:t>
             </a:fld>
             <a:endParaRPr lang="en-US" dirty="0"/>
           </a:p>
@@ -10580,7 +11810,7 @@
             <p:nvPr/>
           </p:nvPicPr>
           <p:blipFill rotWithShape="1">
-            <a:blip r:embed="rId3"/>
+            <a:blip r:embed="rId4"/>
             <a:srcRect t="13129"/>
             <a:stretch/>
           </p:blipFill>
@@ -11102,7 +12332,7 @@
           <a:p>
             <a:fld id="{CAEF89AF-97FF-41FD-A810-843DAB910B39}" type="datetime4">
               <a:rPr lang="en-US" smtClean="0"/>
-              <a:t>May 3, 2017</a:t>
+              <a:t>May 16, 2017</a:t>
             </a:fld>
             <a:endParaRPr lang="en-US" dirty="0"/>
           </a:p>
@@ -11148,7 +12378,7 @@
           <p:nvPr/>
         </p:nvPicPr>
         <p:blipFill>
-          <a:blip r:embed="rId2"/>
+          <a:blip r:embed="rId3"/>
           <a:stretch>
             <a:fillRect/>
           </a:stretch>
@@ -11186,7 +12416,7 @@
             <p:nvPr/>
           </p:nvPicPr>
           <p:blipFill>
-            <a:blip r:embed="rId3"/>
+            <a:blip r:embed="rId4"/>
             <a:stretch>
               <a:fillRect/>
             </a:stretch>
@@ -11517,7 +12747,7 @@
             <p:nvPr/>
           </p:nvPicPr>
           <p:blipFill rotWithShape="1">
-            <a:blip r:embed="rId4"/>
+            <a:blip r:embed="rId5"/>
             <a:srcRect t="5765" r="54677"/>
             <a:stretch/>
           </p:blipFill>
@@ -11540,7 +12770,7 @@
             <p:nvPr/>
           </p:nvPicPr>
           <p:blipFill rotWithShape="1">
-            <a:blip r:embed="rId4"/>
+            <a:blip r:embed="rId5"/>
             <a:srcRect l="88684"/>
             <a:stretch/>
           </p:blipFill>
@@ -11564,7 +12794,7 @@
           <p:nvPr/>
         </p:nvPicPr>
         <p:blipFill rotWithShape="1">
-          <a:blip r:embed="rId5"/>
+          <a:blip r:embed="rId6"/>
           <a:srcRect t="9276" r="53145"/>
           <a:stretch/>
         </p:blipFill>
@@ -11587,7 +12817,7 @@
           <p:nvPr/>
         </p:nvPicPr>
         <p:blipFill>
-          <a:blip r:embed="rId6"/>
+          <a:blip r:embed="rId7"/>
           <a:stretch>
             <a:fillRect/>
           </a:stretch>
@@ -11611,7 +12841,7 @@
           <p:nvPr/>
         </p:nvPicPr>
         <p:blipFill>
-          <a:blip r:embed="rId7"/>
+          <a:blip r:embed="rId8"/>
           <a:stretch>
             <a:fillRect/>
           </a:stretch>
@@ -12282,21 +13512,7 @@
                 <a:latin typeface="Arial" panose="020B0604020202020204" pitchFamily="34" charset="0"/>
                 <a:cs typeface="Arial" panose="020B0604020202020204" pitchFamily="34" charset="0"/>
               </a:rPr>
-              <a:t>Non-linear dependency on regional </a:t>
-            </a:r>
-            <a:r>
-              <a:rPr lang="en-US" sz="900" b="1" dirty="0" smtClean="0">
-                <a:latin typeface="Arial" panose="020B0604020202020204" pitchFamily="34" charset="0"/>
-                <a:cs typeface="Arial" panose="020B0604020202020204" pitchFamily="34" charset="0"/>
-              </a:rPr>
-              <a:t>h</a:t>
-            </a:r>
-            <a:r>
-              <a:rPr lang="en-US" sz="900" b="1" dirty="0" smtClean="0">
-                <a:latin typeface="Arial" panose="020B0604020202020204" pitchFamily="34" charset="0"/>
-                <a:cs typeface="Arial" panose="020B0604020202020204" pitchFamily="34" charset="0"/>
-              </a:rPr>
-              <a:t>ydro </a:t>
+              <a:t>Non-linear dependency on regional hydro </a:t>
             </a:r>
             <a:endParaRPr lang="en-US" sz="900" b="1" dirty="0">
               <a:latin typeface="Arial" panose="020B0604020202020204" pitchFamily="34" charset="0"/>
@@ -12314,7 +13530,7 @@
           <p:nvPr/>
         </p:nvPicPr>
         <p:blipFill>
-          <a:blip r:embed="rId8"/>
+          <a:blip r:embed="rId9"/>
           <a:stretch>
             <a:fillRect/>
           </a:stretch>
@@ -12532,7 +13748,7 @@
           <a:p>
             <a:fld id="{CAEF89AF-97FF-41FD-A810-843DAB910B39}" type="datetime4">
               <a:rPr lang="en-US" smtClean="0"/>
-              <a:t>May 3, 2017</a:t>
+              <a:t>May 16, 2017</a:t>
             </a:fld>
             <a:endParaRPr lang="en-US" dirty="0"/>
           </a:p>
@@ -12592,7 +13808,7 @@
             <p:nvPr/>
           </p:nvPicPr>
           <p:blipFill rotWithShape="1">
-            <a:blip r:embed="rId2"/>
+            <a:blip r:embed="rId3"/>
             <a:srcRect t="8238" r="52748"/>
             <a:stretch/>
           </p:blipFill>
@@ -12615,7 +13831,7 @@
             <p:nvPr/>
           </p:nvPicPr>
           <p:blipFill rotWithShape="1">
-            <a:blip r:embed="rId2"/>
+            <a:blip r:embed="rId3"/>
             <a:srcRect l="88312"/>
             <a:stretch/>
           </p:blipFill>
@@ -12639,7 +13855,7 @@
           <p:nvPr/>
         </p:nvPicPr>
         <p:blipFill>
-          <a:blip r:embed="rId3"/>
+          <a:blip r:embed="rId4"/>
           <a:stretch>
             <a:fillRect/>
           </a:stretch>
@@ -12663,7 +13879,7 @@
           <p:nvPr/>
         </p:nvPicPr>
         <p:blipFill>
-          <a:blip r:embed="rId4"/>
+          <a:blip r:embed="rId5"/>
           <a:stretch>
             <a:fillRect/>
           </a:stretch>
@@ -12687,7 +13903,7 @@
           <p:nvPr/>
         </p:nvPicPr>
         <p:blipFill>
-          <a:blip r:embed="rId5"/>
+          <a:blip r:embed="rId6"/>
           <a:stretch>
             <a:fillRect/>
           </a:stretch>
@@ -13184,14 +14400,7 @@
                 <a:latin typeface="Arial" panose="020B0604020202020204" pitchFamily="34" charset="0"/>
                 <a:cs typeface="Arial" panose="020B0604020202020204" pitchFamily="34" charset="0"/>
               </a:rPr>
-              <a:t>Dispatch </a:t>
-            </a:r>
-            <a:r>
-              <a:rPr lang="en-US" sz="900" b="1" dirty="0" smtClean="0">
-                <a:latin typeface="Arial" panose="020B0604020202020204" pitchFamily="34" charset="0"/>
-                <a:cs typeface="Arial" panose="020B0604020202020204" pitchFamily="34" charset="0"/>
-              </a:rPr>
-              <a:t>(Historical + Simulated)</a:t>
+              <a:t>Dispatch (Historical + Simulated)</a:t>
             </a:r>
             <a:endParaRPr lang="en-US" sz="900" b="1" dirty="0">
               <a:latin typeface="Arial" panose="020B0604020202020204" pitchFamily="34" charset="0"/>
@@ -13270,7 +14479,7 @@
           <a:p>
             <a:fld id="{CAEF89AF-97FF-41FD-A810-843DAB910B39}" type="datetime4">
               <a:rPr lang="en-US" smtClean="0"/>
-              <a:t>May 3, 2017</a:t>
+              <a:t>May 16, 2017</a:t>
             </a:fld>
             <a:endParaRPr lang="en-US" dirty="0"/>
           </a:p>
@@ -13377,7 +14586,7 @@
           <p:nvPr/>
         </p:nvPicPr>
         <p:blipFill rotWithShape="1">
-          <a:blip r:embed="rId2" cstate="print">
+          <a:blip r:embed="rId3" cstate="print">
             <a:extLst>
               <a:ext uri="{28A0092B-C50C-407E-A947-70E740481C1C}">
                 <a14:useLocalDpi xmlns:a14="http://schemas.microsoft.com/office/drawing/2010/main" val="0"/>
@@ -14069,19 +15278,280 @@
 </a:theme>
 </file>
 
-<file path=customXml/item1.xml><?xml version="1.0" encoding="utf-8"?>
-<p:properties xmlns:p="http://schemas.microsoft.com/office/2006/metadata/properties" xmlns:xsi="http://www.w3.org/2001/XMLSchema-instance">
-  <documentManagement/>
-</p:properties>
+<file path=ppt/theme/theme3.xml><?xml version="1.0" encoding="utf-8"?>
+<a:theme xmlns:a="http://schemas.openxmlformats.org/drawingml/2006/main" name="Office Theme">
+  <a:themeElements>
+    <a:clrScheme name="Office">
+      <a:dk1>
+        <a:sysClr val="windowText" lastClr="000000"/>
+      </a:dk1>
+      <a:lt1>
+        <a:sysClr val="window" lastClr="FFFFFF"/>
+      </a:lt1>
+      <a:dk2>
+        <a:srgbClr val="44546A"/>
+      </a:dk2>
+      <a:lt2>
+        <a:srgbClr val="E7E6E6"/>
+      </a:lt2>
+      <a:accent1>
+        <a:srgbClr val="5B9BD5"/>
+      </a:accent1>
+      <a:accent2>
+        <a:srgbClr val="ED7D31"/>
+      </a:accent2>
+      <a:accent3>
+        <a:srgbClr val="A5A5A5"/>
+      </a:accent3>
+      <a:accent4>
+        <a:srgbClr val="FFC000"/>
+      </a:accent4>
+      <a:accent5>
+        <a:srgbClr val="4472C4"/>
+      </a:accent5>
+      <a:accent6>
+        <a:srgbClr val="70AD47"/>
+      </a:accent6>
+      <a:hlink>
+        <a:srgbClr val="0563C1"/>
+      </a:hlink>
+      <a:folHlink>
+        <a:srgbClr val="954F72"/>
+      </a:folHlink>
+    </a:clrScheme>
+    <a:fontScheme name="Office">
+      <a:majorFont>
+        <a:latin typeface="Calibri Light" panose="020F0302020204030204"/>
+        <a:ea typeface=""/>
+        <a:cs typeface=""/>
+        <a:font script="Jpan" typeface="游ゴシック Light"/>
+        <a:font script="Hang" typeface="맑은 고딕"/>
+        <a:font script="Hans" typeface="等线 Light"/>
+        <a:font script="Hant" typeface="新細明體"/>
+        <a:font script="Arab" typeface="Times New Roman"/>
+        <a:font script="Hebr" typeface="Times New Roman"/>
+        <a:font script="Thai" typeface="Angsana New"/>
+        <a:font script="Ethi" typeface="Nyala"/>
+        <a:font script="Beng" typeface="Vrinda"/>
+        <a:font script="Gujr" typeface="Shruti"/>
+        <a:font script="Khmr" typeface="MoolBoran"/>
+        <a:font script="Knda" typeface="Tunga"/>
+        <a:font script="Guru" typeface="Raavi"/>
+        <a:font script="Cans" typeface="Euphemia"/>
+        <a:font script="Cher" typeface="Plantagenet Cherokee"/>
+        <a:font script="Yiii" typeface="Microsoft Yi Baiti"/>
+        <a:font script="Tibt" typeface="Microsoft Himalaya"/>
+        <a:font script="Thaa" typeface="MV Boli"/>
+        <a:font script="Deva" typeface="Mangal"/>
+        <a:font script="Telu" typeface="Gautami"/>
+        <a:font script="Taml" typeface="Latha"/>
+        <a:font script="Syrc" typeface="Estrangelo Edessa"/>
+        <a:font script="Orya" typeface="Kalinga"/>
+        <a:font script="Mlym" typeface="Kartika"/>
+        <a:font script="Laoo" typeface="DokChampa"/>
+        <a:font script="Sinh" typeface="Iskoola Pota"/>
+        <a:font script="Mong" typeface="Mongolian Baiti"/>
+        <a:font script="Viet" typeface="Times New Roman"/>
+        <a:font script="Uigh" typeface="Microsoft Uighur"/>
+        <a:font script="Geor" typeface="Sylfaen"/>
+      </a:majorFont>
+      <a:minorFont>
+        <a:latin typeface="Calibri" panose="020F0502020204030204"/>
+        <a:ea typeface=""/>
+        <a:cs typeface=""/>
+        <a:font script="Jpan" typeface="游ゴシック"/>
+        <a:font script="Hang" typeface="맑은 고딕"/>
+        <a:font script="Hans" typeface="等线"/>
+        <a:font script="Hant" typeface="新細明體"/>
+        <a:font script="Arab" typeface="Arial"/>
+        <a:font script="Hebr" typeface="Arial"/>
+        <a:font script="Thai" typeface="Cordia New"/>
+        <a:font script="Ethi" typeface="Nyala"/>
+        <a:font script="Beng" typeface="Vrinda"/>
+        <a:font script="Gujr" typeface="Shruti"/>
+        <a:font script="Khmr" typeface="DaunPenh"/>
+        <a:font script="Knda" typeface="Tunga"/>
+        <a:font script="Guru" typeface="Raavi"/>
+        <a:font script="Cans" typeface="Euphemia"/>
+        <a:font script="Cher" typeface="Plantagenet Cherokee"/>
+        <a:font script="Yiii" typeface="Microsoft Yi Baiti"/>
+        <a:font script="Tibt" typeface="Microsoft Himalaya"/>
+        <a:font script="Thaa" typeface="MV Boli"/>
+        <a:font script="Deva" typeface="Mangal"/>
+        <a:font script="Telu" typeface="Gautami"/>
+        <a:font script="Taml" typeface="Latha"/>
+        <a:font script="Syrc" typeface="Estrangelo Edessa"/>
+        <a:font script="Orya" typeface="Kalinga"/>
+        <a:font script="Mlym" typeface="Kartika"/>
+        <a:font script="Laoo" typeface="DokChampa"/>
+        <a:font script="Sinh" typeface="Iskoola Pota"/>
+        <a:font script="Mong" typeface="Mongolian Baiti"/>
+        <a:font script="Viet" typeface="Arial"/>
+        <a:font script="Uigh" typeface="Microsoft Uighur"/>
+        <a:font script="Geor" typeface="Sylfaen"/>
+      </a:minorFont>
+    </a:fontScheme>
+    <a:fmtScheme name="Office">
+      <a:fillStyleLst>
+        <a:solidFill>
+          <a:schemeClr val="phClr"/>
+        </a:solidFill>
+        <a:gradFill rotWithShape="1">
+          <a:gsLst>
+            <a:gs pos="0">
+              <a:schemeClr val="phClr">
+                <a:lumMod val="110000"/>
+                <a:satMod val="105000"/>
+                <a:tint val="67000"/>
+              </a:schemeClr>
+            </a:gs>
+            <a:gs pos="50000">
+              <a:schemeClr val="phClr">
+                <a:lumMod val="105000"/>
+                <a:satMod val="103000"/>
+                <a:tint val="73000"/>
+              </a:schemeClr>
+            </a:gs>
+            <a:gs pos="100000">
+              <a:schemeClr val="phClr">
+                <a:lumMod val="105000"/>
+                <a:satMod val="109000"/>
+                <a:tint val="81000"/>
+              </a:schemeClr>
+            </a:gs>
+          </a:gsLst>
+          <a:lin ang="5400000" scaled="0"/>
+        </a:gradFill>
+        <a:gradFill rotWithShape="1">
+          <a:gsLst>
+            <a:gs pos="0">
+              <a:schemeClr val="phClr">
+                <a:satMod val="103000"/>
+                <a:lumMod val="102000"/>
+                <a:tint val="94000"/>
+              </a:schemeClr>
+            </a:gs>
+            <a:gs pos="50000">
+              <a:schemeClr val="phClr">
+                <a:satMod val="110000"/>
+                <a:lumMod val="100000"/>
+                <a:shade val="100000"/>
+              </a:schemeClr>
+            </a:gs>
+            <a:gs pos="100000">
+              <a:schemeClr val="phClr">
+                <a:lumMod val="99000"/>
+                <a:satMod val="120000"/>
+                <a:shade val="78000"/>
+              </a:schemeClr>
+            </a:gs>
+          </a:gsLst>
+          <a:lin ang="5400000" scaled="0"/>
+        </a:gradFill>
+      </a:fillStyleLst>
+      <a:lnStyleLst>
+        <a:ln w="6350" cap="flat" cmpd="sng" algn="ctr">
+          <a:solidFill>
+            <a:schemeClr val="phClr"/>
+          </a:solidFill>
+          <a:prstDash val="solid"/>
+          <a:miter lim="800000"/>
+        </a:ln>
+        <a:ln w="12700" cap="flat" cmpd="sng" algn="ctr">
+          <a:solidFill>
+            <a:schemeClr val="phClr"/>
+          </a:solidFill>
+          <a:prstDash val="solid"/>
+          <a:miter lim="800000"/>
+        </a:ln>
+        <a:ln w="19050" cap="flat" cmpd="sng" algn="ctr">
+          <a:solidFill>
+            <a:schemeClr val="phClr"/>
+          </a:solidFill>
+          <a:prstDash val="solid"/>
+          <a:miter lim="800000"/>
+        </a:ln>
+      </a:lnStyleLst>
+      <a:effectStyleLst>
+        <a:effectStyle>
+          <a:effectLst/>
+        </a:effectStyle>
+        <a:effectStyle>
+          <a:effectLst/>
+        </a:effectStyle>
+        <a:effectStyle>
+          <a:effectLst>
+            <a:outerShdw blurRad="57150" dist="19050" dir="5400000" algn="ctr" rotWithShape="0">
+              <a:srgbClr val="000000">
+                <a:alpha val="63000"/>
+              </a:srgbClr>
+            </a:outerShdw>
+          </a:effectLst>
+        </a:effectStyle>
+      </a:effectStyleLst>
+      <a:bgFillStyleLst>
+        <a:solidFill>
+          <a:schemeClr val="phClr"/>
+        </a:solidFill>
+        <a:solidFill>
+          <a:schemeClr val="phClr">
+            <a:tint val="95000"/>
+            <a:satMod val="170000"/>
+          </a:schemeClr>
+        </a:solidFill>
+        <a:gradFill rotWithShape="1">
+          <a:gsLst>
+            <a:gs pos="0">
+              <a:schemeClr val="phClr">
+                <a:tint val="93000"/>
+                <a:satMod val="150000"/>
+                <a:shade val="98000"/>
+                <a:lumMod val="102000"/>
+              </a:schemeClr>
+            </a:gs>
+            <a:gs pos="50000">
+              <a:schemeClr val="phClr">
+                <a:tint val="98000"/>
+                <a:satMod val="130000"/>
+                <a:shade val="90000"/>
+                <a:lumMod val="103000"/>
+              </a:schemeClr>
+            </a:gs>
+            <a:gs pos="100000">
+              <a:schemeClr val="phClr">
+                <a:shade val="63000"/>
+                <a:satMod val="120000"/>
+              </a:schemeClr>
+            </a:gs>
+          </a:gsLst>
+          <a:lin ang="5400000" scaled="0"/>
+        </a:gradFill>
+      </a:bgFillStyleLst>
+    </a:fmtScheme>
+  </a:themeElements>
+  <a:objectDefaults/>
+  <a:extraClrSchemeLst/>
+  <a:extLst>
+    <a:ext uri="{05A4C25C-085E-4340-85A3-A5531E510DB2}">
+      <thm15:themeFamily xmlns:thm15="http://schemas.microsoft.com/office/thememl/2012/main" name="Office Theme" id="{62F939B6-93AF-4DB8-9C6B-D6C7DFDC589F}" vid="{4A3C46E8-61CC-4603-A589-7422A47A8E4A}"/>
+    </a:ext>
+  </a:extLst>
+</a:theme>
 </file>
 
-<file path=customXml/item2.xml><?xml version="1.0" encoding="utf-8"?>
+<file path=customXml/item1.xml><?xml version="1.0" encoding="utf-8"?>
 <?mso-contentType ?>
 <FormTemplates xmlns="http://schemas.microsoft.com/sharepoint/v3/contenttype/forms">
   <Display>DocumentLibraryForm</Display>
   <Edit>DocumentLibraryForm</Edit>
   <New>DocumentLibraryForm</New>
 </FormTemplates>
+</file>
+
+<file path=customXml/item2.xml><?xml version="1.0" encoding="utf-8"?>
+<p:properties xmlns:p="http://schemas.microsoft.com/office/2006/metadata/properties" xmlns:xsi="http://www.w3.org/2001/XMLSchema-instance">
+  <documentManagement/>
+</p:properties>
 </file>
 
 <file path=customXml/item3.xml><?xml version="1.0" encoding="utf-8"?>
@@ -14134,23 +15604,23 @@
 </file>
 
 <file path=customXml/itemProps1.xml><?xml version="1.0" encoding="utf-8"?>
-<ds:datastoreItem xmlns:ds="http://schemas.openxmlformats.org/officeDocument/2006/customXml" ds:itemID="{F0828FC5-3BE2-4558-96D5-FA8F78BC4585}">
+<ds:datastoreItem xmlns:ds="http://schemas.openxmlformats.org/officeDocument/2006/customXml" ds:itemID="{0CCA081F-75FD-4596-A76A-C0A1B47BD1CB}">
   <ds:schemaRefs>
-    <ds:schemaRef ds:uri="http://purl.org/dc/terms/"/>
-    <ds:schemaRef ds:uri="http://www.w3.org/XML/1998/namespace"/>
-    <ds:schemaRef ds:uri="http://purl.org/dc/dcmitype/"/>
-    <ds:schemaRef ds:uri="http://schemas.microsoft.com/office/2006/documentManagement/types"/>
-    <ds:schemaRef ds:uri="http://schemas.openxmlformats.org/package/2006/metadata/core-properties"/>
-    <ds:schemaRef ds:uri="http://schemas.microsoft.com/office/2006/metadata/properties"/>
-    <ds:schemaRef ds:uri="http://purl.org/dc/elements/1.1/"/>
+    <ds:schemaRef ds:uri="http://schemas.microsoft.com/sharepoint/v3/contenttype/forms"/>
   </ds:schemaRefs>
 </ds:datastoreItem>
 </file>
 
 <file path=customXml/itemProps2.xml><?xml version="1.0" encoding="utf-8"?>
-<ds:datastoreItem xmlns:ds="http://schemas.openxmlformats.org/officeDocument/2006/customXml" ds:itemID="{0CCA081F-75FD-4596-A76A-C0A1B47BD1CB}">
+<ds:datastoreItem xmlns:ds="http://schemas.openxmlformats.org/officeDocument/2006/customXml" ds:itemID="{F0828FC5-3BE2-4558-96D5-FA8F78BC4585}">
   <ds:schemaRefs>
-    <ds:schemaRef ds:uri="http://schemas.microsoft.com/sharepoint/v3/contenttype/forms"/>
+    <ds:schemaRef ds:uri="http://purl.org/dc/terms/"/>
+    <ds:schemaRef ds:uri="http://schemas.microsoft.com/office/2006/documentManagement/types"/>
+    <ds:schemaRef ds:uri="http://purl.org/dc/elements/1.1/"/>
+    <ds:schemaRef ds:uri="http://schemas.microsoft.com/office/2006/metadata/properties"/>
+    <ds:schemaRef ds:uri="http://www.w3.org/XML/1998/namespace"/>
+    <ds:schemaRef ds:uri="http://purl.org/dc/dcmitype/"/>
+    <ds:schemaRef ds:uri="http://schemas.openxmlformats.org/package/2006/metadata/core-properties"/>
   </ds:schemaRefs>
 </ds:datastoreItem>
 </file>
